--- a/Final Project Slidding Puzzle.pptx
+++ b/Final Project Slidding Puzzle.pptx
@@ -134,6 +134,18 @@
 </p:presentation>
 </file>
 
+<file path=ppt/commentAuthors.xml><?xml version="1.0" encoding="utf-8"?>
+<p:cmAuthorLst xmlns:a="http://schemas.openxmlformats.org/drawingml/2006/main" xmlns:r="http://schemas.openxmlformats.org/officeDocument/2006/relationships" xmlns:p="http://schemas.openxmlformats.org/presentationml/2006/main">
+  <p:cmAuthor id="1" name="Y J" initials="YJ" lastIdx="1" clrIdx="0">
+    <p:extLst>
+      <p:ext uri="{19B8F6BF-5375-455C-9EA6-DF929625EA0E}">
+        <p15:presenceInfo xmlns:p15="http://schemas.microsoft.com/office/powerpoint/2012/main" userId="91b7e5c11263bd0f" providerId="Windows Live"/>
+      </p:ext>
+    </p:extLst>
+  </p:cmAuthor>
+</p:cmAuthorLst>
+</file>
+
 <file path=ppt/charts/chart1.xml><?xml version="1.0" encoding="utf-8"?>
 <c:chartSpace xmlns:c="http://schemas.openxmlformats.org/drawingml/2006/chart" xmlns:a="http://schemas.openxmlformats.org/drawingml/2006/main" xmlns:r="http://schemas.openxmlformats.org/officeDocument/2006/relationships" xmlns:c16r2="http://schemas.microsoft.com/office/drawing/2015/06/chart">
   <c:date1904 val="0"/>
@@ -155,9 +167,9 @@
           <a:lstStyle/>
           <a:p>
             <a:pPr>
-              <a:defRPr sz="1862" b="0" i="0" u="none" strike="noStrike" kern="1200" spc="0" baseline="0">
-                <a:solidFill>
-                  <a:schemeClr val="tx1"/>
+              <a:defRPr sz="1400" b="0" i="0" u="none" strike="noStrike" kern="1200" spc="0" baseline="0">
+                <a:solidFill>
+                  <a:sysClr val="windowText" lastClr="000000"/>
                 </a:solidFill>
                 <a:latin typeface="+mn-lt"/>
                 <a:ea typeface="+mn-ea"/>
@@ -184,9 +196,9 @@
         <a:lstStyle/>
         <a:p>
           <a:pPr>
-            <a:defRPr sz="1862" b="0" i="0" u="none" strike="noStrike" kern="1200" spc="0" baseline="0">
+            <a:defRPr sz="1400" b="0" i="0" u="none" strike="noStrike" kern="1200" spc="0" baseline="0">
               <a:solidFill>
-                <a:schemeClr val="tx1"/>
+                <a:sysClr val="windowText" lastClr="000000"/>
               </a:solidFill>
               <a:latin typeface="+mn-lt"/>
               <a:ea typeface="+mn-ea"/>
@@ -199,17 +211,7 @@
     </c:title>
     <c:autoTitleDeleted val="0"/>
     <c:plotArea>
-      <c:layout>
-        <c:manualLayout>
-          <c:layoutTarget val="inner"/>
-          <c:xMode val="edge"/>
-          <c:yMode val="edge"/>
-          <c:x val="0.10925473412162491"/>
-          <c:y val="0.12258910269230185"/>
-          <c:w val="0.86733188888780932"/>
-          <c:h val="0.73235417728281471"/>
-        </c:manualLayout>
-      </c:layout>
+      <c:layout/>
       <c:barChart>
         <c:barDir val="col"/>
         <c:grouping val="clustered"/>
@@ -238,6 +240,105 @@
             <a:effectLst/>
           </c:spPr>
           <c:invertIfNegative val="0"/>
+          <c:dLbls>
+            <c:dLbl>
+              <c:idx val="0"/>
+              <c:layout>
+                <c:manualLayout>
+                  <c:x val="3.1666069083893141E-3"/>
+                  <c:y val="9.5825732981972313E-3"/>
+                </c:manualLayout>
+              </c:layout>
+              <c:spPr>
+                <a:noFill/>
+                <a:ln>
+                  <a:noFill/>
+                </a:ln>
+                <a:effectLst/>
+              </c:spPr>
+              <c:txPr>
+                <a:bodyPr rot="0" spcFirstLastPara="1" vertOverflow="ellipsis" vert="horz" wrap="square" anchor="ctr" anchorCtr="1"/>
+                <a:lstStyle/>
+                <a:p>
+                  <a:pPr>
+                    <a:defRPr sz="800" b="0" i="0" u="none" strike="noStrike" kern="1200" baseline="0">
+                      <a:solidFill>
+                        <a:sysClr val="windowText" lastClr="000000"/>
+                      </a:solidFill>
+                      <a:latin typeface="+mn-lt"/>
+                      <a:ea typeface="+mn-ea"/>
+                      <a:cs typeface="+mn-cs"/>
+                    </a:defRPr>
+                  </a:pPr>
+                  <a:endParaRPr lang="en-US"/>
+                </a:p>
+              </c:txPr>
+              <c:dLblPos val="outEnd"/>
+              <c:showLegendKey val="0"/>
+              <c:showVal val="1"/>
+              <c:showCatName val="0"/>
+              <c:showSerName val="0"/>
+              <c:showPercent val="0"/>
+              <c:showBubbleSize val="0"/>
+              <c:extLst>
+                <c:ext xmlns:c15="http://schemas.microsoft.com/office/drawing/2012/chart" uri="{CE6537A1-D6FC-4f65-9D91-7224C49458BB}"/>
+                <c:ext xmlns:c16="http://schemas.microsoft.com/office/drawing/2014/chart" uri="{C3380CC4-5D6E-409C-BE32-E72D297353CC}">
+                  <c16:uniqueId val="{00000000-C5D1-4435-AE63-C0D22AE46347}"/>
+                </c:ext>
+              </c:extLst>
+            </c:dLbl>
+            <c:spPr>
+              <a:noFill/>
+              <a:ln>
+                <a:noFill/>
+              </a:ln>
+              <a:effectLst/>
+            </c:spPr>
+            <c:txPr>
+              <a:bodyPr rot="0" spcFirstLastPara="1" vertOverflow="ellipsis" vert="horz" wrap="square" anchor="ctr" anchorCtr="1"/>
+              <a:lstStyle/>
+              <a:p>
+                <a:pPr>
+                  <a:defRPr sz="900" b="0" i="0" u="none" strike="noStrike" kern="1200" baseline="0">
+                    <a:solidFill>
+                      <a:sysClr val="windowText" lastClr="000000"/>
+                    </a:solidFill>
+                    <a:latin typeface="+mn-lt"/>
+                    <a:ea typeface="+mn-ea"/>
+                    <a:cs typeface="+mn-cs"/>
+                  </a:defRPr>
+                </a:pPr>
+                <a:endParaRPr lang="en-US"/>
+              </a:p>
+            </c:txPr>
+            <c:dLblPos val="outEnd"/>
+            <c:showLegendKey val="0"/>
+            <c:showVal val="1"/>
+            <c:showCatName val="0"/>
+            <c:showSerName val="0"/>
+            <c:showPercent val="0"/>
+            <c:showBubbleSize val="0"/>
+            <c:showLeaderLines val="0"/>
+            <c:extLst>
+              <c:ext xmlns:c15="http://schemas.microsoft.com/office/drawing/2012/chart" uri="{CE6537A1-D6FC-4f65-9D91-7224C49458BB}">
+                <c15:showLeaderLines val="1"/>
+                <c15:leaderLines>
+                  <c:spPr>
+                    <a:ln w="9525" cap="flat" cmpd="sng" algn="ctr">
+                      <a:solidFill>
+                        <a:schemeClr val="tx1">
+                          <a:lumMod val="35000"/>
+                          <a:lumOff val="65000"/>
+                        </a:schemeClr>
+                      </a:solidFill>
+                      <a:round/>
+                    </a:ln>
+                    <a:effectLst/>
+                  </c:spPr>
+                </c15:leaderLines>
+              </c:ext>
+            </c:extLst>
+          </c:dLbls>
           <c:errBars>
             <c:errBarType val="both"/>
             <c:errValType val="cust"/>
@@ -270,10 +371,7 @@
               <a:noFill/>
               <a:ln w="9525" cap="flat" cmpd="sng" algn="ctr">
                 <a:solidFill>
-                  <a:schemeClr val="tx1">
-                    <a:lumMod val="65000"/>
-                    <a:lumOff val="35000"/>
-                  </a:schemeClr>
+                  <a:srgbClr val="FF0000"/>
                 </a:solidFill>
                 <a:round/>
               </a:ln>
@@ -282,36 +380,42 @@
           </c:errBars>
           <c:cat>
             <c:strRef>
-              <c:f>Sheet1!$A$3:$A$4</c:f>
+              <c:f>Sheet1!$A$3:$A$5</c:f>
               <c:strCache>
-                <c:ptCount val="2"/>
+                <c:ptCount val="3"/>
                 <c:pt idx="0">
                   <c:v>3x2 Board</c:v>
                 </c:pt>
                 <c:pt idx="1">
                   <c:v>3x3 Board</c:v>
                 </c:pt>
+                <c:pt idx="2">
+                  <c:v>3x4 Board</c:v>
+                </c:pt>
               </c:strCache>
             </c:strRef>
           </c:cat>
           <c:val>
             <c:numRef>
-              <c:f>Sheet1!$B$3:$B$4</c:f>
+              <c:f>Sheet1!$B$3:$B$5</c:f>
               <c:numCache>
                 <c:formatCode>General</c:formatCode>
-                <c:ptCount val="2"/>
+                <c:ptCount val="3"/>
                 <c:pt idx="0">
                   <c:v>2.6927947998046831E-3</c:v>
                 </c:pt>
                 <c:pt idx="1">
                   <c:v>3.222055435180661E-2</c:v>
                 </c:pt>
+                <c:pt idx="2">
+                  <c:v>0.84499999999999997</c:v>
+                </c:pt>
               </c:numCache>
             </c:numRef>
           </c:val>
           <c:extLst>
             <c:ext xmlns:c16="http://schemas.microsoft.com/office/drawing/2014/chart" uri="{C3380CC4-5D6E-409C-BE32-E72D297353CC}">
-              <c16:uniqueId val="{00000001-D28C-4DE9-96CA-EF48413CA033}"/>
+              <c16:uniqueId val="{00000001-C5D1-4435-AE63-C0D22AE46347}"/>
             </c:ext>
           </c:extLst>
         </c:ser>
@@ -339,6 +443,81 @@
             <a:effectLst/>
           </c:spPr>
           <c:invertIfNegative val="0"/>
+          <c:dLbls>
+            <c:dLbl>
+              <c:idx val="0"/>
+              <c:layout>
+                <c:manualLayout>
+                  <c:x val="1.8511163178818565E-2"/>
+                  <c:y val="-8.7839240507072668E-17"/>
+                </c:manualLayout>
+              </c:layout>
+              <c:dLblPos val="outEnd"/>
+              <c:showLegendKey val="0"/>
+              <c:showVal val="1"/>
+              <c:showCatName val="0"/>
+              <c:showSerName val="0"/>
+              <c:showPercent val="0"/>
+              <c:showBubbleSize val="0"/>
+              <c:extLst>
+                <c:ext xmlns:c15="http://schemas.microsoft.com/office/drawing/2012/chart" uri="{CE6537A1-D6FC-4f65-9D91-7224C49458BB}"/>
+                <c:ext xmlns:c16="http://schemas.microsoft.com/office/drawing/2014/chart" uri="{C3380CC4-5D6E-409C-BE32-E72D297353CC}">
+                  <c16:uniqueId val="{00000002-C5D1-4435-AE63-C0D22AE46347}"/>
+                </c:ext>
+              </c:extLst>
+            </c:dLbl>
+            <c:spPr>
+              <a:noFill/>
+              <a:ln>
+                <a:noFill/>
+              </a:ln>
+              <a:effectLst/>
+            </c:spPr>
+            <c:txPr>
+              <a:bodyPr rot="0" spcFirstLastPara="1" vertOverflow="ellipsis" vert="horz" wrap="square" anchor="ctr" anchorCtr="1"/>
+              <a:lstStyle/>
+              <a:p>
+                <a:pPr>
+                  <a:defRPr sz="800" b="0" i="0" u="none" strike="noStrike" kern="1200" baseline="0">
+                    <a:solidFill>
+                      <a:sysClr val="windowText" lastClr="000000"/>
+                    </a:solidFill>
+                    <a:latin typeface="+mn-lt"/>
+                    <a:ea typeface="+mn-ea"/>
+                    <a:cs typeface="+mn-cs"/>
+                  </a:defRPr>
+                </a:pPr>
+                <a:endParaRPr lang="en-US"/>
+              </a:p>
+            </c:txPr>
+            <c:dLblPos val="outEnd"/>
+            <c:showLegendKey val="0"/>
+            <c:showVal val="1"/>
+            <c:showCatName val="0"/>
+            <c:showSerName val="0"/>
+            <c:showPercent val="0"/>
+            <c:showBubbleSize val="0"/>
+            <c:showLeaderLines val="0"/>
+            <c:extLst>
+              <c:ext xmlns:c15="http://schemas.microsoft.com/office/drawing/2012/chart" uri="{CE6537A1-D6FC-4f65-9D91-7224C49458BB}">
+                <c15:showLeaderLines val="1"/>
+                <c15:leaderLines>
+                  <c:spPr>
+                    <a:ln w="9525" cap="flat" cmpd="sng" algn="ctr">
+                      <a:solidFill>
+                        <a:schemeClr val="tx1">
+                          <a:lumMod val="35000"/>
+                          <a:lumOff val="65000"/>
+                        </a:schemeClr>
+                      </a:solidFill>
+                      <a:round/>
+                    </a:ln>
+                    <a:effectLst/>
+                  </c:spPr>
+                </c15:leaderLines>
+              </c:ext>
+            </c:extLst>
+          </c:dLbls>
           <c:errBars>
             <c:errBarType val="both"/>
             <c:errValType val="cust"/>
@@ -371,10 +550,7 @@
               <a:noFill/>
               <a:ln w="9525" cap="flat" cmpd="sng" algn="ctr">
                 <a:solidFill>
-                  <a:schemeClr val="tx1">
-                    <a:lumMod val="65000"/>
-                    <a:lumOff val="35000"/>
-                  </a:schemeClr>
+                  <a:srgbClr val="FF0000"/>
                 </a:solidFill>
                 <a:round/>
               </a:ln>
@@ -383,14 +559,17 @@
           </c:errBars>
           <c:cat>
             <c:strRef>
-              <c:f>Sheet1!$A$3:$A$4</c:f>
+              <c:f>Sheet1!$A$3:$A$5</c:f>
               <c:strCache>
-                <c:ptCount val="2"/>
+                <c:ptCount val="3"/>
                 <c:pt idx="0">
                   <c:v>3x2 Board</c:v>
                 </c:pt>
                 <c:pt idx="1">
                   <c:v>3x3 Board</c:v>
+                </c:pt>
+                <c:pt idx="2">
+                  <c:v>3x4 Board</c:v>
                 </c:pt>
               </c:strCache>
             </c:strRef>
@@ -412,13 +591,14 @@
           </c:val>
           <c:extLst>
             <c:ext xmlns:c16="http://schemas.microsoft.com/office/drawing/2014/chart" uri="{C3380CC4-5D6E-409C-BE32-E72D297353CC}">
-              <c16:uniqueId val="{00000003-D28C-4DE9-96CA-EF48413CA033}"/>
+              <c16:uniqueId val="{00000003-C5D1-4435-AE63-C0D22AE46347}"/>
             </c:ext>
           </c:extLst>
         </c:ser>
         <c:dLbls>
+          <c:dLblPos val="outEnd"/>
           <c:showLegendKey val="0"/>
-          <c:showVal val="0"/>
+          <c:showVal val="1"/>
           <c:showCatName val="0"/>
           <c:showSerName val="0"/>
           <c:showPercent val="0"/>
@@ -458,9 +638,9 @@
           <a:lstStyle/>
           <a:p>
             <a:pPr>
-              <a:defRPr sz="1197" b="0" i="0" u="none" strike="noStrike" kern="1200" baseline="0">
-                <a:solidFill>
-                  <a:schemeClr val="tx1"/>
+              <a:defRPr sz="900" b="0" i="0" u="none" strike="noStrike" kern="1200" baseline="0">
+                <a:solidFill>
+                  <a:sysClr val="windowText" lastClr="000000"/>
                 </a:solidFill>
                 <a:latin typeface="+mn-lt"/>
                 <a:ea typeface="+mn-ea"/>
@@ -514,9 +694,9 @@
           <a:lstStyle/>
           <a:p>
             <a:pPr>
-              <a:defRPr sz="1197" b="0" i="0" u="none" strike="noStrike" kern="1200" baseline="0">
-                <a:solidFill>
-                  <a:schemeClr val="tx1"/>
+              <a:defRPr sz="900" b="0" i="0" u="none" strike="noStrike" kern="1200" baseline="0">
+                <a:solidFill>
+                  <a:sysClr val="windowText" lastClr="000000"/>
                 </a:solidFill>
                 <a:latin typeface="+mn-lt"/>
                 <a:ea typeface="+mn-ea"/>
@@ -554,9 +734,9 @@
         <a:lstStyle/>
         <a:p>
           <a:pPr>
-            <a:defRPr sz="1197" b="0" i="0" u="none" strike="noStrike" kern="1200" baseline="0">
+            <a:defRPr sz="900" b="0" i="0" u="none" strike="noStrike" kern="1200" baseline="0">
               <a:solidFill>
-                <a:schemeClr val="tx1"/>
+                <a:sysClr val="windowText" lastClr="000000"/>
               </a:solidFill>
               <a:latin typeface="+mn-lt"/>
               <a:ea typeface="+mn-ea"/>
@@ -592,7 +772,7 @@
       <a:pPr>
         <a:defRPr>
           <a:solidFill>
-            <a:schemeClr val="tx1"/>
+            <a:sysClr val="windowText" lastClr="000000"/>
           </a:solidFill>
         </a:defRPr>
       </a:pPr>
@@ -657,7 +837,7 @@
         <a:lumOff val="35000"/>
       </a:schemeClr>
     </cs:fontRef>
-    <cs:defRPr sz="1330" kern="1200"/>
+    <cs:defRPr sz="1000" kern="1200"/>
   </cs:axisTitle>
   <cs:categoryAxis>
     <cs:lnRef idx="0"/>
@@ -680,7 +860,7 @@
         <a:round/>
       </a:ln>
     </cs:spPr>
-    <cs:defRPr sz="1197" kern="1200"/>
+    <cs:defRPr sz="900" kern="1200"/>
   </cs:categoryAxis>
   <cs:chartArea mods="allowNoFillOverride allowNoLineOverride">
     <cs:lnRef idx="0"/>
@@ -703,7 +883,7 @@
         <a:round/>
       </a:ln>
     </cs:spPr>
-    <cs:defRPr sz="1330" kern="1200"/>
+    <cs:defRPr sz="1000" kern="1200"/>
   </cs:chartArea>
   <cs:dataLabel>
     <cs:lnRef idx="0"/>
@@ -715,7 +895,7 @@
         <a:lumOff val="25000"/>
       </a:schemeClr>
     </cs:fontRef>
-    <cs:defRPr sz="1197" kern="1200"/>
+    <cs:defRPr sz="900" kern="1200"/>
   </cs:dataLabel>
   <cs:dataLabelCallout>
     <cs:lnRef idx="0"/>
@@ -740,7 +920,7 @@
         </a:solidFill>
       </a:ln>
     </cs:spPr>
-    <cs:defRPr sz="1197" kern="1200"/>
+    <cs:defRPr sz="900" kern="1200"/>
     <cs:bodyPr rot="0" spcFirstLastPara="1" vertOverflow="clip" horzOverflow="clip" vert="horz" wrap="square" lIns="36576" tIns="18288" rIns="36576" bIns="18288" anchor="ctr" anchorCtr="1">
       <a:spAutoFit/>
     </cs:bodyPr>
@@ -843,7 +1023,7 @@
         <a:round/>
       </a:ln>
     </cs:spPr>
-    <cs:defRPr sz="1197" kern="1200"/>
+    <cs:defRPr sz="900" kern="1200"/>
   </cs:dataTable>
   <cs:downBar>
     <cs:lnRef idx="0"/>
@@ -1007,7 +1187,7 @@
         <a:lumOff val="35000"/>
       </a:schemeClr>
     </cs:fontRef>
-    <cs:defRPr sz="1197" kern="1200"/>
+    <cs:defRPr sz="900" kern="1200"/>
   </cs:legend>
   <cs:plotArea mods="allowNoFillOverride allowNoLineOverride">
     <cs:lnRef idx="0"/>
@@ -1035,7 +1215,7 @@
         <a:lumOff val="35000"/>
       </a:schemeClr>
     </cs:fontRef>
-    <cs:defRPr sz="1197" kern="1200"/>
+    <cs:defRPr sz="900" kern="1200"/>
   </cs:seriesAxis>
   <cs:seriesLine>
     <cs:lnRef idx="0"/>
@@ -1066,7 +1246,7 @@
         <a:lumOff val="35000"/>
       </a:schemeClr>
     </cs:fontRef>
-    <cs:defRPr sz="1862" b="0" kern="1200" spc="0" baseline="0"/>
+    <cs:defRPr sz="1400" b="0" kern="1200" spc="0" baseline="0"/>
   </cs:title>
   <cs:trendline>
     <cs:lnRef idx="0">
@@ -1096,7 +1276,7 @@
         <a:lumOff val="35000"/>
       </a:schemeClr>
     </cs:fontRef>
-    <cs:defRPr sz="1197" kern="1200"/>
+    <cs:defRPr sz="900" kern="1200"/>
   </cs:trendlineLabel>
   <cs:upBar>
     <cs:lnRef idx="0"/>
@@ -1129,7 +1309,7 @@
         <a:lumOff val="35000"/>
       </a:schemeClr>
     </cs:fontRef>
-    <cs:defRPr sz="1197" kern="1200"/>
+    <cs:defRPr sz="900" kern="1200"/>
   </cs:valueAxis>
   <cs:wall>
     <cs:lnRef idx="0"/>
@@ -1146,6 +1326,20 @@
     </cs:spPr>
   </cs:wall>
 </cs:chartStyle>
+</file>
+
+<file path=ppt/comments/comment1.xml><?xml version="1.0" encoding="utf-8"?>
+<p:cmLst xmlns:a="http://schemas.openxmlformats.org/drawingml/2006/main" xmlns:r="http://schemas.openxmlformats.org/officeDocument/2006/relationships" xmlns:p="http://schemas.openxmlformats.org/presentationml/2006/main">
+  <p:cm authorId="1" dt="2019-11-22T09:15:35.017" idx="1">
+    <p:pos x="10" y="10"/>
+    <p:text/>
+    <p:extLst>
+      <p:ext uri="{C676402C-5697-4E1C-873F-D02D1690AC5C}">
+        <p15:threadingInfo xmlns:p15="http://schemas.microsoft.com/office/powerpoint/2012/main" timeZoneBias="360"/>
+      </p:ext>
+    </p:extLst>
+  </p:cm>
+</p:cmLst>
 </file>
 
 <file path=ppt/notesMasters/notesMaster1.xml><?xml version="1.0" encoding="utf-8"?>
@@ -1230,7 +1424,7 @@
           <a:p>
             <a:fld id="{8273C422-4CA6-4023-8150-37AEE4AA45F3}" type="datetimeFigureOut">
               <a:rPr lang="en-US" smtClean="0"/>
-              <a:t>11/21/2019</a:t>
+              <a:t>11/22/2019</a:t>
             </a:fld>
             <a:endParaRPr lang="en-US"/>
           </a:p>
@@ -4899,243 +5093,7 @@
       </p:sp>
       <p:graphicFrame>
         <p:nvGraphicFramePr>
-          <p:cNvPr id="6" name="Table 6">
-            <a:extLst>
-              <a:ext uri="{FF2B5EF4-FFF2-40B4-BE49-F238E27FC236}">
-                <a16:creationId xmlns:a16="http://schemas.microsoft.com/office/drawing/2014/main" id="{AF62FF2E-7861-4337-B040-47AF2EAAE2D5}"/>
-              </a:ext>
-            </a:extLst>
-          </p:cNvPr>
-          <p:cNvGraphicFramePr>
-            <a:graphicFrameLocks noGrp="1"/>
-          </p:cNvGraphicFramePr>
-          <p:nvPr>
-            <p:extLst>
-              <p:ext uri="{D42A27DB-BD31-4B8C-83A1-F6EECF244321}">
-                <p14:modId xmlns:p14="http://schemas.microsoft.com/office/powerpoint/2010/main" val="1264709976"/>
-              </p:ext>
-            </p:extLst>
-          </p:nvPr>
-        </p:nvGraphicFramePr>
-        <p:xfrm>
-          <a:off x="514876" y="4283194"/>
-          <a:ext cx="3724275" cy="1114862"/>
-        </p:xfrm>
-        <a:graphic>
-          <a:graphicData uri="http://schemas.openxmlformats.org/drawingml/2006/table">
-            <a:tbl>
-              <a:tblPr firstRow="1" bandRow="1">
-                <a:tableStyleId>{5940675A-B579-460E-94D1-54222C63F5DA}</a:tableStyleId>
-              </a:tblPr>
-              <a:tblGrid>
-                <a:gridCol w="832757">
-                  <a:extLst>
-                    <a:ext uri="{9D8B030D-6E8A-4147-A177-3AD203B41FA5}">
-                      <a16:colId xmlns:a16="http://schemas.microsoft.com/office/drawing/2014/main" val="2861164328"/>
-                    </a:ext>
-                  </a:extLst>
-                </a:gridCol>
-                <a:gridCol w="928842">
-                  <a:extLst>
-                    <a:ext uri="{9D8B030D-6E8A-4147-A177-3AD203B41FA5}">
-                      <a16:colId xmlns:a16="http://schemas.microsoft.com/office/drawing/2014/main" val="236509378"/>
-                    </a:ext>
-                  </a:extLst>
-                </a:gridCol>
-                <a:gridCol w="1962676">
-                  <a:extLst>
-                    <a:ext uri="{9D8B030D-6E8A-4147-A177-3AD203B41FA5}">
-                      <a16:colId xmlns:a16="http://schemas.microsoft.com/office/drawing/2014/main" val="1744137952"/>
-                    </a:ext>
-                  </a:extLst>
-                </a:gridCol>
-              </a:tblGrid>
-              <a:tr h="324564">
-                <a:tc>
-                  <a:txBody>
-                    <a:bodyPr/>
-                    <a:lstStyle/>
-                    <a:p>
-                      <a:pPr algn="ctr"/>
-                      <a:endParaRPr lang="en-US" sz="1100" dirty="0">
-                        <a:latin typeface="Arial" panose="020B0604020202020204" pitchFamily="34" charset="0"/>
-                        <a:cs typeface="Arial" panose="020B0604020202020204" pitchFamily="34" charset="0"/>
-                      </a:endParaRPr>
-                    </a:p>
-                  </a:txBody>
-                  <a:tcPr/>
-                </a:tc>
-                <a:tc>
-                  <a:txBody>
-                    <a:bodyPr/>
-                    <a:lstStyle/>
-                    <a:p>
-                      <a:pPr algn="ctr"/>
-                      <a:r>
-                        <a:rPr lang="en-US" sz="1100" dirty="0"/>
-                        <a:t> 2 x 3 Board</a:t>
-                      </a:r>
-                      <a:endParaRPr lang="en-US" sz="1100" dirty="0">
-                        <a:latin typeface="Arial" panose="020B0604020202020204" pitchFamily="34" charset="0"/>
-                        <a:cs typeface="Arial" panose="020B0604020202020204" pitchFamily="34" charset="0"/>
-                      </a:endParaRPr>
-                    </a:p>
-                  </a:txBody>
-                  <a:tcPr/>
-                </a:tc>
-                <a:tc>
-                  <a:txBody>
-                    <a:bodyPr/>
-                    <a:lstStyle/>
-                    <a:p>
-                      <a:pPr algn="ctr"/>
-                      <a:r>
-                        <a:rPr lang="en-US" sz="1100" dirty="0"/>
-                        <a:t>3 x 3 Board</a:t>
-                      </a:r>
-                      <a:endParaRPr lang="en-US" sz="1100" dirty="0">
-                        <a:latin typeface="Arial" panose="020B0604020202020204" pitchFamily="34" charset="0"/>
-                        <a:cs typeface="Arial" panose="020B0604020202020204" pitchFamily="34" charset="0"/>
-                      </a:endParaRPr>
-                    </a:p>
-                  </a:txBody>
-                  <a:tcPr/>
-                </a:tc>
-                <a:extLst>
-                  <a:ext uri="{0D108BD9-81ED-4DB2-BD59-A6C34878D82A}">
-                    <a16:rowId xmlns:a16="http://schemas.microsoft.com/office/drawing/2014/main" val="2763026678"/>
-                  </a:ext>
-                </a:extLst>
-              </a:tr>
-              <a:tr h="363578">
-                <a:tc>
-                  <a:txBody>
-                    <a:bodyPr/>
-                    <a:lstStyle/>
-                    <a:p>
-                      <a:pPr algn="ctr"/>
-                      <a:r>
-                        <a:rPr lang="en-US" sz="1100" dirty="0"/>
-                        <a:t>BFS</a:t>
-                      </a:r>
-                      <a:endParaRPr lang="en-US" sz="1100" dirty="0">
-                        <a:latin typeface="Arial" panose="020B0604020202020204" pitchFamily="34" charset="0"/>
-                        <a:cs typeface="Arial" panose="020B0604020202020204" pitchFamily="34" charset="0"/>
-                      </a:endParaRPr>
-                    </a:p>
-                  </a:txBody>
-                  <a:tcPr/>
-                </a:tc>
-                <a:tc>
-                  <a:txBody>
-                    <a:bodyPr/>
-                    <a:lstStyle/>
-                    <a:p>
-                      <a:pPr algn="ctr"/>
-                      <a:r>
-                        <a:rPr lang="en-US" sz="1100" dirty="0"/>
-                        <a:t>10 times</a:t>
-                      </a:r>
-                      <a:endParaRPr lang="en-US" sz="1100" dirty="0">
-                        <a:latin typeface="Arial" panose="020B0604020202020204" pitchFamily="34" charset="0"/>
-                        <a:cs typeface="Arial" panose="020B0604020202020204" pitchFamily="34" charset="0"/>
-                      </a:endParaRPr>
-                    </a:p>
-                  </a:txBody>
-                  <a:tcPr/>
-                </a:tc>
-                <a:tc>
-                  <a:txBody>
-                    <a:bodyPr/>
-                    <a:lstStyle/>
-                    <a:p>
-                      <a:pPr algn="ctr"/>
-                      <a:r>
-                        <a:rPr lang="en-US" sz="1100" dirty="0"/>
-                        <a:t>10 times</a:t>
-                      </a:r>
-                      <a:endParaRPr lang="en-US" sz="1100" dirty="0">
-                        <a:latin typeface="Arial" panose="020B0604020202020204" pitchFamily="34" charset="0"/>
-                        <a:cs typeface="Arial" panose="020B0604020202020204" pitchFamily="34" charset="0"/>
-                      </a:endParaRPr>
-                    </a:p>
-                  </a:txBody>
-                  <a:tcPr/>
-                </a:tc>
-                <a:extLst>
-                  <a:ext uri="{0D108BD9-81ED-4DB2-BD59-A6C34878D82A}">
-                    <a16:rowId xmlns:a16="http://schemas.microsoft.com/office/drawing/2014/main" val="3174101943"/>
-                  </a:ext>
-                </a:extLst>
-              </a:tr>
-              <a:tr h="324564">
-                <a:tc>
-                  <a:txBody>
-                    <a:bodyPr/>
-                    <a:lstStyle/>
-                    <a:p>
-                      <a:pPr algn="ctr"/>
-                      <a:r>
-                        <a:rPr lang="en-US" sz="1100" dirty="0"/>
-                        <a:t>A*</a:t>
-                      </a:r>
-                      <a:endParaRPr lang="en-US" sz="1100" dirty="0">
-                        <a:latin typeface="Arial" panose="020B0604020202020204" pitchFamily="34" charset="0"/>
-                        <a:cs typeface="Arial" panose="020B0604020202020204" pitchFamily="34" charset="0"/>
-                      </a:endParaRPr>
-                    </a:p>
-                  </a:txBody>
-                  <a:tcPr/>
-                </a:tc>
-                <a:tc>
-                  <a:txBody>
-                    <a:bodyPr/>
-                    <a:lstStyle/>
-                    <a:p>
-                      <a:pPr algn="ctr"/>
-                      <a:r>
-                        <a:rPr lang="en-US" sz="1100" dirty="0"/>
-                        <a:t>10 times </a:t>
-                      </a:r>
-                      <a:endParaRPr lang="en-US" sz="1100" dirty="0">
-                        <a:latin typeface="Arial" panose="020B0604020202020204" pitchFamily="34" charset="0"/>
-                        <a:cs typeface="Arial" panose="020B0604020202020204" pitchFamily="34" charset="0"/>
-                      </a:endParaRPr>
-                    </a:p>
-                  </a:txBody>
-                  <a:tcPr/>
-                </a:tc>
-                <a:tc>
-                  <a:txBody>
-                    <a:bodyPr/>
-                    <a:lstStyle/>
-                    <a:p>
-                      <a:pPr algn="ctr"/>
-                      <a:r>
-                        <a:rPr lang="en-US" sz="1100" dirty="0"/>
-                        <a:t>10 times</a:t>
-                      </a:r>
-                      <a:endParaRPr lang="en-US" sz="1100" dirty="0">
-                        <a:latin typeface="Arial" panose="020B0604020202020204" pitchFamily="34" charset="0"/>
-                        <a:cs typeface="Arial" panose="020B0604020202020204" pitchFamily="34" charset="0"/>
-                      </a:endParaRPr>
-                    </a:p>
-                  </a:txBody>
-                  <a:tcPr/>
-                </a:tc>
-                <a:extLst>
-                  <a:ext uri="{0D108BD9-81ED-4DB2-BD59-A6C34878D82A}">
-                    <a16:rowId xmlns:a16="http://schemas.microsoft.com/office/drawing/2014/main" val="2416545035"/>
-                  </a:ext>
-                </a:extLst>
-              </a:tr>
-            </a:tbl>
-          </a:graphicData>
-        </a:graphic>
-      </p:graphicFrame>
-      <p:graphicFrame>
-        <p:nvGraphicFramePr>
-          <p:cNvPr id="12" name="Chart 11">
+          <p:cNvPr id="7" name="Chart 6">
             <a:extLst>
               <a:ext uri="{FF2B5EF4-FFF2-40B4-BE49-F238E27FC236}">
                 <a16:creationId xmlns:a16="http://schemas.microsoft.com/office/drawing/2014/main" id="{EF63B0DF-A2C4-4E4C-81CA-17AF2CED966E}"/>
@@ -5148,18 +5106,869 @@
           <p:nvPr>
             <p:extLst>
               <p:ext uri="{D42A27DB-BD31-4B8C-83A1-F6EECF244321}">
-                <p14:modId xmlns:p14="http://schemas.microsoft.com/office/powerpoint/2010/main" val="4147987737"/>
+                <p14:modId xmlns:p14="http://schemas.microsoft.com/office/powerpoint/2010/main" val="2082494582"/>
               </p:ext>
             </p:extLst>
           </p:nvPr>
         </p:nvGraphicFramePr>
         <p:xfrm>
-          <a:off x="4904851" y="1206103"/>
-          <a:ext cx="4116920" cy="4145189"/>
+          <a:off x="4644571" y="1206103"/>
+          <a:ext cx="4209824" cy="3784424"/>
         </p:xfrm>
         <a:graphic>
           <a:graphicData uri="http://schemas.openxmlformats.org/drawingml/2006/chart">
             <c:chart xmlns:c="http://schemas.openxmlformats.org/drawingml/2006/chart" xmlns:r="http://schemas.openxmlformats.org/officeDocument/2006/relationships" r:id="rId3"/>
+          </a:graphicData>
+        </a:graphic>
+      </p:graphicFrame>
+      <p:graphicFrame>
+        <p:nvGraphicFramePr>
+          <p:cNvPr id="8" name="Table 7">
+            <a:extLst>
+              <a:ext uri="{FF2B5EF4-FFF2-40B4-BE49-F238E27FC236}">
+                <a16:creationId xmlns:a16="http://schemas.microsoft.com/office/drawing/2014/main" id="{889B8F13-8CF6-491D-88F3-61208C583B49}"/>
+              </a:ext>
+            </a:extLst>
+          </p:cNvPr>
+          <p:cNvGraphicFramePr>
+            <a:graphicFrameLocks noGrp="1"/>
+          </p:cNvGraphicFramePr>
+          <p:nvPr>
+            <p:extLst>
+              <p:ext uri="{D42A27DB-BD31-4B8C-83A1-F6EECF244321}">
+                <p14:modId xmlns:p14="http://schemas.microsoft.com/office/powerpoint/2010/main" val="2021553111"/>
+              </p:ext>
+            </p:extLst>
+          </p:nvPr>
+        </p:nvGraphicFramePr>
+        <p:xfrm>
+          <a:off x="684181" y="4525259"/>
+          <a:ext cx="3493923" cy="853440"/>
+        </p:xfrm>
+        <a:graphic>
+          <a:graphicData uri="http://schemas.openxmlformats.org/drawingml/2006/table">
+            <a:tbl>
+              <a:tblPr/>
+              <a:tblGrid>
+                <a:gridCol w="609905">
+                  <a:extLst>
+                    <a:ext uri="{9D8B030D-6E8A-4147-A177-3AD203B41FA5}">
+                      <a16:colId xmlns:a16="http://schemas.microsoft.com/office/drawing/2014/main" val="3596238683"/>
+                    </a:ext>
+                  </a:extLst>
+                </a:gridCol>
+                <a:gridCol w="1028700">
+                  <a:extLst>
+                    <a:ext uri="{9D8B030D-6E8A-4147-A177-3AD203B41FA5}">
+                      <a16:colId xmlns:a16="http://schemas.microsoft.com/office/drawing/2014/main" val="4220117061"/>
+                    </a:ext>
+                  </a:extLst>
+                </a:gridCol>
+                <a:gridCol w="982980">
+                  <a:extLst>
+                    <a:ext uri="{9D8B030D-6E8A-4147-A177-3AD203B41FA5}">
+                      <a16:colId xmlns:a16="http://schemas.microsoft.com/office/drawing/2014/main" val="2412868084"/>
+                    </a:ext>
+                  </a:extLst>
+                </a:gridCol>
+                <a:gridCol w="872338">
+                  <a:extLst>
+                    <a:ext uri="{9D8B030D-6E8A-4147-A177-3AD203B41FA5}">
+                      <a16:colId xmlns:a16="http://schemas.microsoft.com/office/drawing/2014/main" val="2696175175"/>
+                    </a:ext>
+                  </a:extLst>
+                </a:gridCol>
+              </a:tblGrid>
+              <a:tr h="0">
+                <a:tc>
+                  <a:txBody>
+                    <a:bodyPr/>
+                    <a:lstStyle/>
+                    <a:p>
+                      <a:pPr marL="0" marR="0" fontAlgn="t">
+                        <a:spcBef>
+                          <a:spcPts val="0"/>
+                        </a:spcBef>
+                        <a:spcAft>
+                          <a:spcPts val="0"/>
+                        </a:spcAft>
+                      </a:pPr>
+                      <a:r>
+                        <a:rPr lang="zh-CN" sz="1200">
+                          <a:solidFill>
+                            <a:srgbClr val="000000"/>
+                          </a:solidFill>
+                          <a:effectLst/>
+                          <a:latin typeface="Calibri" panose="020F0502020204030204" pitchFamily="34" charset="0"/>
+                        </a:rPr>
+                        <a:t> </a:t>
+                      </a:r>
+                    </a:p>
+                  </a:txBody>
+                  <a:tcPr marL="50800" marR="50800" marT="50800" marB="50800">
+                    <a:lnL w="12700" cap="flat" cmpd="sng" algn="ctr">
+                      <a:solidFill>
+                        <a:srgbClr val="A3A3A3"/>
+                      </a:solidFill>
+                      <a:prstDash val="solid"/>
+                      <a:round/>
+                      <a:headEnd type="none" w="med" len="med"/>
+                      <a:tailEnd type="none" w="med" len="med"/>
+                    </a:lnL>
+                    <a:lnR w="12700" cap="flat" cmpd="sng" algn="ctr">
+                      <a:solidFill>
+                        <a:srgbClr val="A3A3A3"/>
+                      </a:solidFill>
+                      <a:prstDash val="solid"/>
+                      <a:round/>
+                      <a:headEnd type="none" w="med" len="med"/>
+                      <a:tailEnd type="none" w="med" len="med"/>
+                    </a:lnR>
+                    <a:lnT w="12700" cap="flat" cmpd="sng" algn="ctr">
+                      <a:solidFill>
+                        <a:srgbClr val="A3A3A3"/>
+                      </a:solidFill>
+                      <a:prstDash val="solid"/>
+                      <a:round/>
+                      <a:headEnd type="none" w="med" len="med"/>
+                      <a:tailEnd type="none" w="med" len="med"/>
+                    </a:lnT>
+                    <a:lnB w="12700" cap="flat" cmpd="sng" algn="ctr">
+                      <a:solidFill>
+                        <a:srgbClr val="A3A3A3"/>
+                      </a:solidFill>
+                      <a:prstDash val="solid"/>
+                      <a:round/>
+                      <a:headEnd type="none" w="med" len="med"/>
+                      <a:tailEnd type="none" w="med" len="med"/>
+                    </a:lnB>
+                  </a:tcPr>
+                </a:tc>
+                <a:tc>
+                  <a:txBody>
+                    <a:bodyPr/>
+                    <a:lstStyle/>
+                    <a:p>
+                      <a:pPr marL="0" marR="0" algn="ctr" fontAlgn="t">
+                        <a:spcBef>
+                          <a:spcPts val="0"/>
+                        </a:spcBef>
+                        <a:spcAft>
+                          <a:spcPts val="0"/>
+                        </a:spcAft>
+                      </a:pPr>
+                      <a:r>
+                        <a:rPr lang="en-US" sz="1200">
+                          <a:solidFill>
+                            <a:srgbClr val="000000"/>
+                          </a:solidFill>
+                          <a:effectLst/>
+                          <a:latin typeface="Trebuchet MS" panose="020B0603020202020204" pitchFamily="34" charset="0"/>
+                        </a:rPr>
+                        <a:t> 2 x 3 Board</a:t>
+                      </a:r>
+                    </a:p>
+                  </a:txBody>
+                  <a:tcPr marL="50800" marR="50800" marT="50800" marB="50800">
+                    <a:lnL w="12700" cap="flat" cmpd="sng" algn="ctr">
+                      <a:solidFill>
+                        <a:srgbClr val="A3A3A3"/>
+                      </a:solidFill>
+                      <a:prstDash val="solid"/>
+                      <a:round/>
+                      <a:headEnd type="none" w="med" len="med"/>
+                      <a:tailEnd type="none" w="med" len="med"/>
+                    </a:lnL>
+                    <a:lnR w="12700" cap="flat" cmpd="sng" algn="ctr">
+                      <a:solidFill>
+                        <a:srgbClr val="A3A3A3"/>
+                      </a:solidFill>
+                      <a:prstDash val="solid"/>
+                      <a:round/>
+                      <a:headEnd type="none" w="med" len="med"/>
+                      <a:tailEnd type="none" w="med" len="med"/>
+                    </a:lnR>
+                    <a:lnT w="12700" cap="flat" cmpd="sng" algn="ctr">
+                      <a:solidFill>
+                        <a:srgbClr val="A3A3A3"/>
+                      </a:solidFill>
+                      <a:prstDash val="solid"/>
+                      <a:round/>
+                      <a:headEnd type="none" w="med" len="med"/>
+                      <a:tailEnd type="none" w="med" len="med"/>
+                    </a:lnT>
+                    <a:lnB w="12700" cap="flat" cmpd="sng" algn="ctr">
+                      <a:solidFill>
+                        <a:srgbClr val="A3A3A3"/>
+                      </a:solidFill>
+                      <a:prstDash val="solid"/>
+                      <a:round/>
+                      <a:headEnd type="none" w="med" len="med"/>
+                      <a:tailEnd type="none" w="med" len="med"/>
+                    </a:lnB>
+                  </a:tcPr>
+                </a:tc>
+                <a:tc>
+                  <a:txBody>
+                    <a:bodyPr/>
+                    <a:lstStyle/>
+                    <a:p>
+                      <a:pPr marL="0" marR="0" algn="ctr" fontAlgn="t">
+                        <a:spcBef>
+                          <a:spcPts val="0"/>
+                        </a:spcBef>
+                        <a:spcAft>
+                          <a:spcPts val="0"/>
+                        </a:spcAft>
+                      </a:pPr>
+                      <a:r>
+                        <a:rPr lang="en-US" sz="1200">
+                          <a:solidFill>
+                            <a:srgbClr val="000000"/>
+                          </a:solidFill>
+                          <a:effectLst/>
+                          <a:latin typeface="Trebuchet MS" panose="020B0603020202020204" pitchFamily="34" charset="0"/>
+                        </a:rPr>
+                        <a:t>3 x 3 Board</a:t>
+                      </a:r>
+                    </a:p>
+                  </a:txBody>
+                  <a:tcPr marL="50800" marR="50800" marT="50800" marB="50800">
+                    <a:lnL w="12700" cap="flat" cmpd="sng" algn="ctr">
+                      <a:solidFill>
+                        <a:srgbClr val="A3A3A3"/>
+                      </a:solidFill>
+                      <a:prstDash val="solid"/>
+                      <a:round/>
+                      <a:headEnd type="none" w="med" len="med"/>
+                      <a:tailEnd type="none" w="med" len="med"/>
+                    </a:lnL>
+                    <a:lnR w="12700" cap="flat" cmpd="sng" algn="ctr">
+                      <a:solidFill>
+                        <a:srgbClr val="A3A3A3"/>
+                      </a:solidFill>
+                      <a:prstDash val="solid"/>
+                      <a:round/>
+                      <a:headEnd type="none" w="med" len="med"/>
+                      <a:tailEnd type="none" w="med" len="med"/>
+                    </a:lnR>
+                    <a:lnT w="12700" cap="flat" cmpd="sng" algn="ctr">
+                      <a:solidFill>
+                        <a:srgbClr val="A3A3A3"/>
+                      </a:solidFill>
+                      <a:prstDash val="solid"/>
+                      <a:round/>
+                      <a:headEnd type="none" w="med" len="med"/>
+                      <a:tailEnd type="none" w="med" len="med"/>
+                    </a:lnT>
+                    <a:lnB w="12700" cap="flat" cmpd="sng" algn="ctr">
+                      <a:solidFill>
+                        <a:srgbClr val="A3A3A3"/>
+                      </a:solidFill>
+                      <a:prstDash val="solid"/>
+                      <a:round/>
+                      <a:headEnd type="none" w="med" len="med"/>
+                      <a:tailEnd type="none" w="med" len="med"/>
+                    </a:lnB>
+                  </a:tcPr>
+                </a:tc>
+                <a:tc>
+                  <a:txBody>
+                    <a:bodyPr/>
+                    <a:lstStyle/>
+                    <a:p>
+                      <a:pPr marL="0" marR="0" algn="ctr" fontAlgn="t">
+                        <a:spcBef>
+                          <a:spcPts val="0"/>
+                        </a:spcBef>
+                        <a:spcAft>
+                          <a:spcPts val="0"/>
+                        </a:spcAft>
+                      </a:pPr>
+                      <a:r>
+                        <a:rPr lang="en-US" sz="1200">
+                          <a:solidFill>
+                            <a:srgbClr val="000000"/>
+                          </a:solidFill>
+                          <a:effectLst/>
+                          <a:latin typeface="Microsoft YaHei" panose="020B0503020204020204" pitchFamily="34" charset="-122"/>
+                        </a:rPr>
+                        <a:t>3x4 Board</a:t>
+                      </a:r>
+                    </a:p>
+                  </a:txBody>
+                  <a:tcPr marL="50800" marR="50800" marT="50800" marB="50800">
+                    <a:lnL w="12700" cap="flat" cmpd="sng" algn="ctr">
+                      <a:solidFill>
+                        <a:srgbClr val="A3A3A3"/>
+                      </a:solidFill>
+                      <a:prstDash val="solid"/>
+                      <a:round/>
+                      <a:headEnd type="none" w="med" len="med"/>
+                      <a:tailEnd type="none" w="med" len="med"/>
+                    </a:lnL>
+                    <a:lnR w="12700" cap="flat" cmpd="sng" algn="ctr">
+                      <a:solidFill>
+                        <a:srgbClr val="A3A3A3"/>
+                      </a:solidFill>
+                      <a:prstDash val="solid"/>
+                      <a:round/>
+                      <a:headEnd type="none" w="med" len="med"/>
+                      <a:tailEnd type="none" w="med" len="med"/>
+                    </a:lnR>
+                    <a:lnT w="12700" cap="flat" cmpd="sng" algn="ctr">
+                      <a:solidFill>
+                        <a:srgbClr val="A3A3A3"/>
+                      </a:solidFill>
+                      <a:prstDash val="solid"/>
+                      <a:round/>
+                      <a:headEnd type="none" w="med" len="med"/>
+                      <a:tailEnd type="none" w="med" len="med"/>
+                    </a:lnT>
+                    <a:lnB w="12700" cap="flat" cmpd="sng" algn="ctr">
+                      <a:solidFill>
+                        <a:srgbClr val="A3A3A3"/>
+                      </a:solidFill>
+                      <a:prstDash val="solid"/>
+                      <a:round/>
+                      <a:headEnd type="none" w="med" len="med"/>
+                      <a:tailEnd type="none" w="med" len="med"/>
+                    </a:lnB>
+                  </a:tcPr>
+                </a:tc>
+                <a:extLst>
+                  <a:ext uri="{0D108BD9-81ED-4DB2-BD59-A6C34878D82A}">
+                    <a16:rowId xmlns:a16="http://schemas.microsoft.com/office/drawing/2014/main" val="3825058294"/>
+                  </a:ext>
+                </a:extLst>
+              </a:tr>
+              <a:tr h="0">
+                <a:tc>
+                  <a:txBody>
+                    <a:bodyPr/>
+                    <a:lstStyle/>
+                    <a:p>
+                      <a:pPr marL="0" marR="0" algn="ctr" fontAlgn="t">
+                        <a:spcBef>
+                          <a:spcPts val="0"/>
+                        </a:spcBef>
+                        <a:spcAft>
+                          <a:spcPts val="0"/>
+                        </a:spcAft>
+                      </a:pPr>
+                      <a:r>
+                        <a:rPr lang="en-US" sz="1200">
+                          <a:solidFill>
+                            <a:srgbClr val="000000"/>
+                          </a:solidFill>
+                          <a:effectLst/>
+                          <a:latin typeface="Trebuchet MS" panose="020B0603020202020204" pitchFamily="34" charset="0"/>
+                        </a:rPr>
+                        <a:t>BFS</a:t>
+                      </a:r>
+                    </a:p>
+                  </a:txBody>
+                  <a:tcPr marL="50800" marR="50800" marT="50800" marB="50800">
+                    <a:lnL w="12700" cap="flat" cmpd="sng" algn="ctr">
+                      <a:solidFill>
+                        <a:srgbClr val="A3A3A3"/>
+                      </a:solidFill>
+                      <a:prstDash val="solid"/>
+                      <a:round/>
+                      <a:headEnd type="none" w="med" len="med"/>
+                      <a:tailEnd type="none" w="med" len="med"/>
+                    </a:lnL>
+                    <a:lnR w="12700" cap="flat" cmpd="sng" algn="ctr">
+                      <a:solidFill>
+                        <a:srgbClr val="A3A3A3"/>
+                      </a:solidFill>
+                      <a:prstDash val="solid"/>
+                      <a:round/>
+                      <a:headEnd type="none" w="med" len="med"/>
+                      <a:tailEnd type="none" w="med" len="med"/>
+                    </a:lnR>
+                    <a:lnT w="12700" cap="flat" cmpd="sng" algn="ctr">
+                      <a:solidFill>
+                        <a:srgbClr val="A3A3A3"/>
+                      </a:solidFill>
+                      <a:prstDash val="solid"/>
+                      <a:round/>
+                      <a:headEnd type="none" w="med" len="med"/>
+                      <a:tailEnd type="none" w="med" len="med"/>
+                    </a:lnT>
+                    <a:lnB w="12700" cap="flat" cmpd="sng" algn="ctr">
+                      <a:solidFill>
+                        <a:srgbClr val="A3A3A3"/>
+                      </a:solidFill>
+                      <a:prstDash val="solid"/>
+                      <a:round/>
+                      <a:headEnd type="none" w="med" len="med"/>
+                      <a:tailEnd type="none" w="med" len="med"/>
+                    </a:lnB>
+                  </a:tcPr>
+                </a:tc>
+                <a:tc>
+                  <a:txBody>
+                    <a:bodyPr/>
+                    <a:lstStyle/>
+                    <a:p>
+                      <a:pPr marL="0" marR="0" algn="ctr" fontAlgn="t">
+                        <a:spcBef>
+                          <a:spcPts val="0"/>
+                        </a:spcBef>
+                        <a:spcAft>
+                          <a:spcPts val="0"/>
+                        </a:spcAft>
+                      </a:pPr>
+                      <a:r>
+                        <a:rPr lang="en-US" sz="1200">
+                          <a:solidFill>
+                            <a:srgbClr val="000000"/>
+                          </a:solidFill>
+                          <a:effectLst/>
+                          <a:latin typeface="Trebuchet MS" panose="020B0603020202020204" pitchFamily="34" charset="0"/>
+                        </a:rPr>
+                        <a:t>10 times</a:t>
+                      </a:r>
+                    </a:p>
+                  </a:txBody>
+                  <a:tcPr marL="50800" marR="50800" marT="50800" marB="50800">
+                    <a:lnL w="12700" cap="flat" cmpd="sng" algn="ctr">
+                      <a:solidFill>
+                        <a:srgbClr val="A3A3A3"/>
+                      </a:solidFill>
+                      <a:prstDash val="solid"/>
+                      <a:round/>
+                      <a:headEnd type="none" w="med" len="med"/>
+                      <a:tailEnd type="none" w="med" len="med"/>
+                    </a:lnL>
+                    <a:lnR w="12700" cap="flat" cmpd="sng" algn="ctr">
+                      <a:solidFill>
+                        <a:srgbClr val="A3A3A3"/>
+                      </a:solidFill>
+                      <a:prstDash val="solid"/>
+                      <a:round/>
+                      <a:headEnd type="none" w="med" len="med"/>
+                      <a:tailEnd type="none" w="med" len="med"/>
+                    </a:lnR>
+                    <a:lnT w="12700" cap="flat" cmpd="sng" algn="ctr">
+                      <a:solidFill>
+                        <a:srgbClr val="A3A3A3"/>
+                      </a:solidFill>
+                      <a:prstDash val="solid"/>
+                      <a:round/>
+                      <a:headEnd type="none" w="med" len="med"/>
+                      <a:tailEnd type="none" w="med" len="med"/>
+                    </a:lnT>
+                    <a:lnB w="12700" cap="flat" cmpd="sng" algn="ctr">
+                      <a:solidFill>
+                        <a:srgbClr val="A3A3A3"/>
+                      </a:solidFill>
+                      <a:prstDash val="solid"/>
+                      <a:round/>
+                      <a:headEnd type="none" w="med" len="med"/>
+                      <a:tailEnd type="none" w="med" len="med"/>
+                    </a:lnB>
+                  </a:tcPr>
+                </a:tc>
+                <a:tc>
+                  <a:txBody>
+                    <a:bodyPr/>
+                    <a:lstStyle/>
+                    <a:p>
+                      <a:pPr marL="0" marR="0" algn="ctr" fontAlgn="t">
+                        <a:spcBef>
+                          <a:spcPts val="0"/>
+                        </a:spcBef>
+                        <a:spcAft>
+                          <a:spcPts val="0"/>
+                        </a:spcAft>
+                      </a:pPr>
+                      <a:r>
+                        <a:rPr lang="en-US" sz="1200">
+                          <a:solidFill>
+                            <a:srgbClr val="000000"/>
+                          </a:solidFill>
+                          <a:effectLst/>
+                          <a:latin typeface="Trebuchet MS" panose="020B0603020202020204" pitchFamily="34" charset="0"/>
+                        </a:rPr>
+                        <a:t>10 times</a:t>
+                      </a:r>
+                    </a:p>
+                  </a:txBody>
+                  <a:tcPr marL="50800" marR="50800" marT="50800" marB="50800">
+                    <a:lnL w="12700" cap="flat" cmpd="sng" algn="ctr">
+                      <a:solidFill>
+                        <a:srgbClr val="A3A3A3"/>
+                      </a:solidFill>
+                      <a:prstDash val="solid"/>
+                      <a:round/>
+                      <a:headEnd type="none" w="med" len="med"/>
+                      <a:tailEnd type="none" w="med" len="med"/>
+                    </a:lnL>
+                    <a:lnR w="12700" cap="flat" cmpd="sng" algn="ctr">
+                      <a:solidFill>
+                        <a:srgbClr val="A3A3A3"/>
+                      </a:solidFill>
+                      <a:prstDash val="solid"/>
+                      <a:round/>
+                      <a:headEnd type="none" w="med" len="med"/>
+                      <a:tailEnd type="none" w="med" len="med"/>
+                    </a:lnR>
+                    <a:lnT w="12700" cap="flat" cmpd="sng" algn="ctr">
+                      <a:solidFill>
+                        <a:srgbClr val="A3A3A3"/>
+                      </a:solidFill>
+                      <a:prstDash val="solid"/>
+                      <a:round/>
+                      <a:headEnd type="none" w="med" len="med"/>
+                      <a:tailEnd type="none" w="med" len="med"/>
+                    </a:lnT>
+                    <a:lnB w="12700" cap="flat" cmpd="sng" algn="ctr">
+                      <a:solidFill>
+                        <a:srgbClr val="A3A3A3"/>
+                      </a:solidFill>
+                      <a:prstDash val="solid"/>
+                      <a:round/>
+                      <a:headEnd type="none" w="med" len="med"/>
+                      <a:tailEnd type="none" w="med" len="med"/>
+                    </a:lnB>
+                  </a:tcPr>
+                </a:tc>
+                <a:tc>
+                  <a:txBody>
+                    <a:bodyPr/>
+                    <a:lstStyle/>
+                    <a:p>
+                      <a:pPr marL="0" marR="0" algn="ctr" fontAlgn="t">
+                        <a:spcBef>
+                          <a:spcPts val="0"/>
+                        </a:spcBef>
+                        <a:spcAft>
+                          <a:spcPts val="0"/>
+                        </a:spcAft>
+                      </a:pPr>
+                      <a:r>
+                        <a:rPr lang="en-US" sz="1200">
+                          <a:solidFill>
+                            <a:srgbClr val="000000"/>
+                          </a:solidFill>
+                          <a:effectLst/>
+                          <a:latin typeface="Microsoft YaHei" panose="020B0503020204020204" pitchFamily="34" charset="-122"/>
+                        </a:rPr>
+                        <a:t>10 times</a:t>
+                      </a:r>
+                    </a:p>
+                  </a:txBody>
+                  <a:tcPr marL="50800" marR="50800" marT="50800" marB="50800">
+                    <a:lnL w="12700" cap="flat" cmpd="sng" algn="ctr">
+                      <a:solidFill>
+                        <a:srgbClr val="A3A3A3"/>
+                      </a:solidFill>
+                      <a:prstDash val="solid"/>
+                      <a:round/>
+                      <a:headEnd type="none" w="med" len="med"/>
+                      <a:tailEnd type="none" w="med" len="med"/>
+                    </a:lnL>
+                    <a:lnR w="12700" cap="flat" cmpd="sng" algn="ctr">
+                      <a:solidFill>
+                        <a:srgbClr val="A3A3A3"/>
+                      </a:solidFill>
+                      <a:prstDash val="solid"/>
+                      <a:round/>
+                      <a:headEnd type="none" w="med" len="med"/>
+                      <a:tailEnd type="none" w="med" len="med"/>
+                    </a:lnR>
+                    <a:lnT w="12700" cap="flat" cmpd="sng" algn="ctr">
+                      <a:solidFill>
+                        <a:srgbClr val="A3A3A3"/>
+                      </a:solidFill>
+                      <a:prstDash val="solid"/>
+                      <a:round/>
+                      <a:headEnd type="none" w="med" len="med"/>
+                      <a:tailEnd type="none" w="med" len="med"/>
+                    </a:lnT>
+                    <a:lnB w="12700" cap="flat" cmpd="sng" algn="ctr">
+                      <a:solidFill>
+                        <a:srgbClr val="A3A3A3"/>
+                      </a:solidFill>
+                      <a:prstDash val="solid"/>
+                      <a:round/>
+                      <a:headEnd type="none" w="med" len="med"/>
+                      <a:tailEnd type="none" w="med" len="med"/>
+                    </a:lnB>
+                  </a:tcPr>
+                </a:tc>
+                <a:extLst>
+                  <a:ext uri="{0D108BD9-81ED-4DB2-BD59-A6C34878D82A}">
+                    <a16:rowId xmlns:a16="http://schemas.microsoft.com/office/drawing/2014/main" val="3039997630"/>
+                  </a:ext>
+                </a:extLst>
+              </a:tr>
+              <a:tr h="0">
+                <a:tc>
+                  <a:txBody>
+                    <a:bodyPr/>
+                    <a:lstStyle/>
+                    <a:p>
+                      <a:pPr marL="0" marR="0" algn="ctr" fontAlgn="t">
+                        <a:spcBef>
+                          <a:spcPts val="0"/>
+                        </a:spcBef>
+                        <a:spcAft>
+                          <a:spcPts val="0"/>
+                        </a:spcAft>
+                      </a:pPr>
+                      <a:r>
+                        <a:rPr lang="en-US" sz="1200">
+                          <a:solidFill>
+                            <a:srgbClr val="000000"/>
+                          </a:solidFill>
+                          <a:effectLst/>
+                          <a:latin typeface="Trebuchet MS" panose="020B0603020202020204" pitchFamily="34" charset="0"/>
+                        </a:rPr>
+                        <a:t>A*</a:t>
+                      </a:r>
+                    </a:p>
+                  </a:txBody>
+                  <a:tcPr marL="50800" marR="50800" marT="50800" marB="50800">
+                    <a:lnL w="12700" cap="flat" cmpd="sng" algn="ctr">
+                      <a:solidFill>
+                        <a:srgbClr val="A3A3A3"/>
+                      </a:solidFill>
+                      <a:prstDash val="solid"/>
+                      <a:round/>
+                      <a:headEnd type="none" w="med" len="med"/>
+                      <a:tailEnd type="none" w="med" len="med"/>
+                    </a:lnL>
+                    <a:lnR w="12700" cap="flat" cmpd="sng" algn="ctr">
+                      <a:solidFill>
+                        <a:srgbClr val="A3A3A3"/>
+                      </a:solidFill>
+                      <a:prstDash val="solid"/>
+                      <a:round/>
+                      <a:headEnd type="none" w="med" len="med"/>
+                      <a:tailEnd type="none" w="med" len="med"/>
+                    </a:lnR>
+                    <a:lnT w="12700" cap="flat" cmpd="sng" algn="ctr">
+                      <a:solidFill>
+                        <a:srgbClr val="A3A3A3"/>
+                      </a:solidFill>
+                      <a:prstDash val="solid"/>
+                      <a:round/>
+                      <a:headEnd type="none" w="med" len="med"/>
+                      <a:tailEnd type="none" w="med" len="med"/>
+                    </a:lnT>
+                    <a:lnB w="12700" cap="flat" cmpd="sng" algn="ctr">
+                      <a:solidFill>
+                        <a:srgbClr val="A3A3A3"/>
+                      </a:solidFill>
+                      <a:prstDash val="solid"/>
+                      <a:round/>
+                      <a:headEnd type="none" w="med" len="med"/>
+                      <a:tailEnd type="none" w="med" len="med"/>
+                    </a:lnB>
+                  </a:tcPr>
+                </a:tc>
+                <a:tc>
+                  <a:txBody>
+                    <a:bodyPr/>
+                    <a:lstStyle/>
+                    <a:p>
+                      <a:pPr marL="0" marR="0" algn="ctr" fontAlgn="t">
+                        <a:spcBef>
+                          <a:spcPts val="0"/>
+                        </a:spcBef>
+                        <a:spcAft>
+                          <a:spcPts val="0"/>
+                        </a:spcAft>
+                      </a:pPr>
+                      <a:r>
+                        <a:rPr lang="en-US" sz="1200">
+                          <a:solidFill>
+                            <a:srgbClr val="000000"/>
+                          </a:solidFill>
+                          <a:effectLst/>
+                          <a:latin typeface="Trebuchet MS" panose="020B0603020202020204" pitchFamily="34" charset="0"/>
+                        </a:rPr>
+                        <a:t>10 times </a:t>
+                      </a:r>
+                    </a:p>
+                  </a:txBody>
+                  <a:tcPr marL="50800" marR="50800" marT="50800" marB="50800">
+                    <a:lnL w="12700" cap="flat" cmpd="sng" algn="ctr">
+                      <a:solidFill>
+                        <a:srgbClr val="A3A3A3"/>
+                      </a:solidFill>
+                      <a:prstDash val="solid"/>
+                      <a:round/>
+                      <a:headEnd type="none" w="med" len="med"/>
+                      <a:tailEnd type="none" w="med" len="med"/>
+                    </a:lnL>
+                    <a:lnR w="12700" cap="flat" cmpd="sng" algn="ctr">
+                      <a:solidFill>
+                        <a:srgbClr val="A3A3A3"/>
+                      </a:solidFill>
+                      <a:prstDash val="solid"/>
+                      <a:round/>
+                      <a:headEnd type="none" w="med" len="med"/>
+                      <a:tailEnd type="none" w="med" len="med"/>
+                    </a:lnR>
+                    <a:lnT w="12700" cap="flat" cmpd="sng" algn="ctr">
+                      <a:solidFill>
+                        <a:srgbClr val="A3A3A3"/>
+                      </a:solidFill>
+                      <a:prstDash val="solid"/>
+                      <a:round/>
+                      <a:headEnd type="none" w="med" len="med"/>
+                      <a:tailEnd type="none" w="med" len="med"/>
+                    </a:lnT>
+                    <a:lnB w="12700" cap="flat" cmpd="sng" algn="ctr">
+                      <a:solidFill>
+                        <a:srgbClr val="A3A3A3"/>
+                      </a:solidFill>
+                      <a:prstDash val="solid"/>
+                      <a:round/>
+                      <a:headEnd type="none" w="med" len="med"/>
+                      <a:tailEnd type="none" w="med" len="med"/>
+                    </a:lnB>
+                  </a:tcPr>
+                </a:tc>
+                <a:tc>
+                  <a:txBody>
+                    <a:bodyPr/>
+                    <a:lstStyle/>
+                    <a:p>
+                      <a:pPr marL="0" marR="0" algn="ctr" fontAlgn="t">
+                        <a:spcBef>
+                          <a:spcPts val="0"/>
+                        </a:spcBef>
+                        <a:spcAft>
+                          <a:spcPts val="0"/>
+                        </a:spcAft>
+                      </a:pPr>
+                      <a:r>
+                        <a:rPr lang="en-US" sz="1200">
+                          <a:solidFill>
+                            <a:srgbClr val="000000"/>
+                          </a:solidFill>
+                          <a:effectLst/>
+                          <a:latin typeface="Trebuchet MS" panose="020B0603020202020204" pitchFamily="34" charset="0"/>
+                        </a:rPr>
+                        <a:t>10 times</a:t>
+                      </a:r>
+                    </a:p>
+                  </a:txBody>
+                  <a:tcPr marL="50800" marR="50800" marT="50800" marB="50800">
+                    <a:lnL w="12700" cap="flat" cmpd="sng" algn="ctr">
+                      <a:solidFill>
+                        <a:srgbClr val="A3A3A3"/>
+                      </a:solidFill>
+                      <a:prstDash val="solid"/>
+                      <a:round/>
+                      <a:headEnd type="none" w="med" len="med"/>
+                      <a:tailEnd type="none" w="med" len="med"/>
+                    </a:lnL>
+                    <a:lnR w="12700" cap="flat" cmpd="sng" algn="ctr">
+                      <a:solidFill>
+                        <a:srgbClr val="A3A3A3"/>
+                      </a:solidFill>
+                      <a:prstDash val="solid"/>
+                      <a:round/>
+                      <a:headEnd type="none" w="med" len="med"/>
+                      <a:tailEnd type="none" w="med" len="med"/>
+                    </a:lnR>
+                    <a:lnT w="12700" cap="flat" cmpd="sng" algn="ctr">
+                      <a:solidFill>
+                        <a:srgbClr val="A3A3A3"/>
+                      </a:solidFill>
+                      <a:prstDash val="solid"/>
+                      <a:round/>
+                      <a:headEnd type="none" w="med" len="med"/>
+                      <a:tailEnd type="none" w="med" len="med"/>
+                    </a:lnT>
+                    <a:lnB w="12700" cap="flat" cmpd="sng" algn="ctr">
+                      <a:solidFill>
+                        <a:srgbClr val="A3A3A3"/>
+                      </a:solidFill>
+                      <a:prstDash val="solid"/>
+                      <a:round/>
+                      <a:headEnd type="none" w="med" len="med"/>
+                      <a:tailEnd type="none" w="med" len="med"/>
+                    </a:lnB>
+                  </a:tcPr>
+                </a:tc>
+                <a:tc>
+                  <a:txBody>
+                    <a:bodyPr/>
+                    <a:lstStyle/>
+                    <a:p>
+                      <a:pPr marL="0" marR="0" algn="ctr" fontAlgn="t">
+                        <a:spcBef>
+                          <a:spcPts val="0"/>
+                        </a:spcBef>
+                        <a:spcAft>
+                          <a:spcPts val="0"/>
+                        </a:spcAft>
+                      </a:pPr>
+                      <a:r>
+                        <a:rPr lang="en-US" sz="1200" dirty="0">
+                          <a:solidFill>
+                            <a:srgbClr val="000000"/>
+                          </a:solidFill>
+                          <a:effectLst/>
+                          <a:latin typeface="Microsoft YaHei" panose="020B0503020204020204" pitchFamily="34" charset="-122"/>
+                        </a:rPr>
+                        <a:t>10 times</a:t>
+                      </a:r>
+                    </a:p>
+                  </a:txBody>
+                  <a:tcPr marL="50800" marR="50800" marT="50800" marB="50800">
+                    <a:lnL w="12700" cap="flat" cmpd="sng" algn="ctr">
+                      <a:solidFill>
+                        <a:srgbClr val="A3A3A3"/>
+                      </a:solidFill>
+                      <a:prstDash val="solid"/>
+                      <a:round/>
+                      <a:headEnd type="none" w="med" len="med"/>
+                      <a:tailEnd type="none" w="med" len="med"/>
+                    </a:lnL>
+                    <a:lnR w="12700" cap="flat" cmpd="sng" algn="ctr">
+                      <a:solidFill>
+                        <a:srgbClr val="A3A3A3"/>
+                      </a:solidFill>
+                      <a:prstDash val="solid"/>
+                      <a:round/>
+                      <a:headEnd type="none" w="med" len="med"/>
+                      <a:tailEnd type="none" w="med" len="med"/>
+                    </a:lnR>
+                    <a:lnT w="12700" cap="flat" cmpd="sng" algn="ctr">
+                      <a:solidFill>
+                        <a:srgbClr val="A3A3A3"/>
+                      </a:solidFill>
+                      <a:prstDash val="solid"/>
+                      <a:round/>
+                      <a:headEnd type="none" w="med" len="med"/>
+                      <a:tailEnd type="none" w="med" len="med"/>
+                    </a:lnT>
+                    <a:lnB w="12700" cap="flat" cmpd="sng" algn="ctr">
+                      <a:solidFill>
+                        <a:srgbClr val="A3A3A3"/>
+                      </a:solidFill>
+                      <a:prstDash val="solid"/>
+                      <a:round/>
+                      <a:headEnd type="none" w="med" len="med"/>
+                      <a:tailEnd type="none" w="med" len="med"/>
+                    </a:lnB>
+                  </a:tcPr>
+                </a:tc>
+                <a:extLst>
+                  <a:ext uri="{0D108BD9-81ED-4DB2-BD59-A6C34878D82A}">
+                    <a16:rowId xmlns:a16="http://schemas.microsoft.com/office/drawing/2014/main" val="635449272"/>
+                  </a:ext>
+                </a:extLst>
+              </a:tr>
+            </a:tbl>
           </a:graphicData>
         </a:graphic>
       </p:graphicFrame>

--- a/Final Project Slidding Puzzle.pptx
+++ b/Final Project Slidding Puzzle.pptx
@@ -5,7 +5,7 @@
     <p:sldMasterId id="2147483653" r:id="rId1"/>
   </p:sldMasterIdLst>
   <p:notesMasterIdLst>
-    <p:notesMasterId r:id="rId11"/>
+    <p:notesMasterId r:id="rId12"/>
   </p:notesMasterIdLst>
   <p:sldIdLst>
     <p:sldId id="261" r:id="rId2"/>
@@ -13,10 +13,11 @@
     <p:sldId id="268" r:id="rId4"/>
     <p:sldId id="266" r:id="rId5"/>
     <p:sldId id="269" r:id="rId6"/>
-    <p:sldId id="273" r:id="rId7"/>
-    <p:sldId id="271" r:id="rId8"/>
-    <p:sldId id="272" r:id="rId9"/>
-    <p:sldId id="267" r:id="rId10"/>
+    <p:sldId id="274" r:id="rId7"/>
+    <p:sldId id="273" r:id="rId8"/>
+    <p:sldId id="271" r:id="rId9"/>
+    <p:sldId id="272" r:id="rId10"/>
+    <p:sldId id="267" r:id="rId11"/>
   </p:sldIdLst>
   <p:sldSz cx="9144000" cy="6858000" type="screen4x3"/>
   <p:notesSz cx="6858000" cy="9144000"/>
@@ -2154,7 +2155,7 @@
           <a:p>
             <a:fld id="{FD939FBB-CC95-4A54-A1CE-25BEBD5BC97E}" type="slidenum">
               <a:rPr lang="en-US" smtClean="0"/>
-              <a:t>6</a:t>
+              <a:t>7</a:t>
             </a:fld>
             <a:endParaRPr lang="en-US"/>
           </a:p>
@@ -2238,7 +2239,7 @@
           <a:p>
             <a:fld id="{FD939FBB-CC95-4A54-A1CE-25BEBD5BC97E}" type="slidenum">
               <a:rPr lang="en-US" smtClean="0"/>
-              <a:t>8</a:t>
+              <a:t>9</a:t>
             </a:fld>
             <a:endParaRPr lang="en-US"/>
           </a:p>
@@ -3454,6 +3455,79 @@
 </p:sld>
 </file>
 
+<file path=ppt/slides/slide10.xml><?xml version="1.0" encoding="utf-8"?>
+<p:sld xmlns:a="http://schemas.openxmlformats.org/drawingml/2006/main" xmlns:r="http://schemas.openxmlformats.org/officeDocument/2006/relationships" xmlns:p="http://schemas.openxmlformats.org/presentationml/2006/main">
+  <p:cSld>
+    <p:spTree>
+      <p:nvGrpSpPr>
+        <p:cNvPr id="1" name=""/>
+        <p:cNvGrpSpPr/>
+        <p:nvPr/>
+      </p:nvGrpSpPr>
+      <p:grpSpPr>
+        <a:xfrm>
+          <a:off x="0" y="0"/>
+          <a:ext cx="0" cy="0"/>
+          <a:chOff x="0" y="0"/>
+          <a:chExt cx="0" cy="0"/>
+        </a:xfrm>
+      </p:grpSpPr>
+      <p:sp>
+        <p:nvSpPr>
+          <p:cNvPr id="2" name="Title 1"/>
+          <p:cNvSpPr>
+            <a:spLocks noGrp="1"/>
+          </p:cNvSpPr>
+          <p:nvPr>
+            <p:ph type="title"/>
+          </p:nvPr>
+        </p:nvSpPr>
+        <p:spPr>
+          <a:xfrm>
+            <a:off x="1143751" y="2716098"/>
+            <a:ext cx="7045036" cy="1143000"/>
+          </a:xfrm>
+        </p:spPr>
+        <p:txBody>
+          <a:bodyPr/>
+          <a:lstStyle/>
+          <a:p>
+            <a:pPr algn="l"/>
+            <a:r>
+              <a:rPr lang="en-US" altLang="zh-CN" b="1" dirty="0">
+                <a:solidFill>
+                  <a:srgbClr val="E84A27"/>
+                </a:solidFill>
+                <a:latin typeface="Arial" panose="020B0604020202020204" pitchFamily="34" charset="0"/>
+                <a:ea typeface="Georgia" charset="0"/>
+                <a:cs typeface="Arial" panose="020B0604020202020204" pitchFamily="34" charset="0"/>
+              </a:rPr>
+              <a:t>Thanks!</a:t>
+            </a:r>
+            <a:endParaRPr lang="en-US" b="1" dirty="0">
+              <a:solidFill>
+                <a:srgbClr val="E84A27"/>
+              </a:solidFill>
+              <a:latin typeface="Arial" panose="020B0604020202020204" pitchFamily="34" charset="0"/>
+              <a:ea typeface="Georgia" charset="0"/>
+              <a:cs typeface="Arial" panose="020B0604020202020204" pitchFamily="34" charset="0"/>
+            </a:endParaRPr>
+          </a:p>
+        </p:txBody>
+      </p:sp>
+    </p:spTree>
+    <p:extLst>
+      <p:ext uri="{BB962C8B-B14F-4D97-AF65-F5344CB8AC3E}">
+        <p14:creationId xmlns:p14="http://schemas.microsoft.com/office/powerpoint/2010/main" val="4189297638"/>
+      </p:ext>
+    </p:extLst>
+  </p:cSld>
+  <p:clrMapOvr>
+    <a:masterClrMapping/>
+  </p:clrMapOvr>
+</p:sld>
+</file>
+
 <file path=ppt/slides/slide2.xml><?xml version="1.0" encoding="utf-8"?>
 <p:sld xmlns:a="http://schemas.openxmlformats.org/drawingml/2006/main" xmlns:r="http://schemas.openxmlformats.org/officeDocument/2006/relationships" xmlns:p="http://schemas.openxmlformats.org/presentationml/2006/main">
   <p:cSld>
@@ -4335,8 +4409,8 @@
         </p:nvSpPr>
         <p:spPr>
           <a:xfrm>
-            <a:off x="381000" y="1229591"/>
-            <a:ext cx="8305800" cy="4938980"/>
+            <a:off x="475078" y="1148671"/>
+            <a:ext cx="8159123" cy="4938980"/>
           </a:xfrm>
         </p:spPr>
         <p:txBody>
@@ -4344,7 +4418,7 @@
           <a:lstStyle/>
           <a:p>
             <a:r>
-              <a:rPr lang="en-US" sz="1800" b="1" dirty="0">
+              <a:rPr lang="en-US" sz="1700" b="1" dirty="0">
                 <a:solidFill>
                   <a:srgbClr val="13294B"/>
                 </a:solidFill>
@@ -4358,7 +4432,7 @@
           <a:p>
             <a:pPr lvl="1"/>
             <a:r>
-              <a:rPr lang="en-US" sz="1800" dirty="0">
+              <a:rPr lang="en-US" sz="1700" dirty="0">
                 <a:solidFill>
                   <a:srgbClr val="13294B"/>
                 </a:solidFill>
@@ -4372,7 +4446,7 @@
           <a:p>
             <a:pPr lvl="2"/>
             <a:r>
-              <a:rPr lang="en-US" sz="1500" dirty="0">
+              <a:rPr lang="en-US" sz="1700" dirty="0">
                 <a:solidFill>
                   <a:srgbClr val="13294B"/>
                 </a:solidFill>
@@ -4386,7 +4460,7 @@
           <a:p>
             <a:pPr lvl="2"/>
             <a:r>
-              <a:rPr lang="en-US" sz="1500" dirty="0">
+              <a:rPr lang="en-US" sz="1700" dirty="0">
                 <a:solidFill>
                   <a:srgbClr val="13294B"/>
                 </a:solidFill>
@@ -4400,7 +4474,7 @@
           <a:p>
             <a:pPr lvl="1"/>
             <a:r>
-              <a:rPr lang="en-US" sz="1800" dirty="0">
+              <a:rPr lang="en-US" sz="1700" dirty="0">
                 <a:solidFill>
                   <a:srgbClr val="13294B"/>
                 </a:solidFill>
@@ -4414,7 +4488,7 @@
           <a:p>
             <a:pPr lvl="2"/>
             <a:r>
-              <a:rPr lang="en-US" sz="1500" dirty="0">
+              <a:rPr lang="en-US" sz="1700" dirty="0">
                 <a:latin typeface="Arial" panose="020B0604020202020204" pitchFamily="34" charset="0"/>
                 <a:cs typeface="Arial" panose="020B0604020202020204" pitchFamily="34" charset="0"/>
               </a:rPr>
@@ -4424,7 +4498,7 @@
           <a:p>
             <a:pPr lvl="2"/>
             <a:r>
-              <a:rPr lang="en-US" sz="1500" dirty="0">
+              <a:rPr lang="en-US" sz="1700" dirty="0">
                 <a:latin typeface="Arial" panose="020B0604020202020204" pitchFamily="34" charset="0"/>
                 <a:cs typeface="Arial" panose="020B0604020202020204" pitchFamily="34" charset="0"/>
               </a:rPr>
@@ -4434,7 +4508,7 @@
           <a:p>
             <a:pPr lvl="2"/>
             <a:r>
-              <a:rPr lang="en-US" sz="1500" dirty="0">
+              <a:rPr lang="en-US" sz="1700" dirty="0">
                 <a:solidFill>
                   <a:srgbClr val="13294B"/>
                 </a:solidFill>
@@ -4448,7 +4522,7 @@
           <a:p>
             <a:pPr lvl="1"/>
             <a:r>
-              <a:rPr lang="en-US" sz="1800" dirty="0">
+              <a:rPr lang="en-US" sz="1700" dirty="0">
                 <a:solidFill>
                   <a:srgbClr val="13294B"/>
                 </a:solidFill>
@@ -4462,7 +4536,7 @@
           <a:p>
             <a:pPr lvl="2"/>
             <a:r>
-              <a:rPr lang="en-US" sz="1500" dirty="0">
+              <a:rPr lang="en-US" sz="1700" dirty="0">
                 <a:solidFill>
                   <a:srgbClr val="13294B"/>
                 </a:solidFill>
@@ -4475,7 +4549,7 @@
           </a:p>
           <a:p>
             <a:pPr lvl="2"/>
-            <a:endParaRPr lang="en-US" sz="1800" dirty="0">
+            <a:endParaRPr lang="en-US" sz="1700" dirty="0">
               <a:solidFill>
                 <a:srgbClr val="13294B"/>
               </a:solidFill>
@@ -4488,13 +4562,13 @@
             <a:pPr marL="1371600" lvl="3" indent="0">
               <a:buNone/>
             </a:pPr>
-            <a:endParaRPr lang="en-US" altLang="zh-CN" sz="1800" dirty="0"/>
+            <a:endParaRPr lang="en-US" altLang="zh-CN" sz="1700" dirty="0"/>
           </a:p>
           <a:p>
             <a:pPr marL="914400" lvl="2" indent="0" algn="r">
               <a:buNone/>
             </a:pPr>
-            <a:endParaRPr lang="en-US" sz="1800" dirty="0">
+            <a:endParaRPr lang="en-US" sz="1700" dirty="0">
               <a:solidFill>
                 <a:srgbClr val="13294B"/>
               </a:solidFill>
@@ -4507,7 +4581,7 @@
             <a:pPr marL="0" indent="0">
               <a:buNone/>
             </a:pPr>
-            <a:endParaRPr lang="en-US" sz="1800" dirty="0">
+            <a:endParaRPr lang="en-US" sz="1700" dirty="0">
               <a:solidFill>
                 <a:srgbClr val="13294B"/>
               </a:solidFill>
@@ -4518,7 +4592,7 @@
           </a:p>
           <a:p>
             <a:pPr lvl="1"/>
-            <a:endParaRPr lang="en-US" sz="1800" dirty="0">
+            <a:endParaRPr lang="en-US" sz="1700" dirty="0">
               <a:solidFill>
                 <a:srgbClr val="13294B"/>
               </a:solidFill>
@@ -4559,9 +4633,102 @@
           <a:chExt cx="0" cy="0"/>
         </a:xfrm>
       </p:grpSpPr>
+      <p:pic>
+        <p:nvPicPr>
+          <p:cNvPr id="4" name="Picture 3" descr="A screenshot of a cell phone&#10;&#10;Description automatically generated">
+            <a:extLst>
+              <a:ext uri="{FF2B5EF4-FFF2-40B4-BE49-F238E27FC236}">
+                <a16:creationId xmlns:a16="http://schemas.microsoft.com/office/drawing/2014/main" id="{3DC34CD5-120B-4D40-8D24-69D9FC07ED1A}"/>
+              </a:ext>
+            </a:extLst>
+          </p:cNvPr>
+          <p:cNvPicPr>
+            <a:picLocks noChangeAspect="1"/>
+          </p:cNvPicPr>
+          <p:nvPr/>
+        </p:nvPicPr>
+        <p:blipFill rotWithShape="1">
+          <a:blip r:embed="rId2"/>
+          <a:srcRect r="51284"/>
+          <a:stretch/>
+        </p:blipFill>
+        <p:spPr>
+          <a:xfrm>
+            <a:off x="467356" y="1012035"/>
+            <a:ext cx="2599526" cy="4803416"/>
+          </a:xfrm>
+          <a:prstGeom prst="rect">
+            <a:avLst/>
+          </a:prstGeom>
+        </p:spPr>
+      </p:pic>
+      <p:pic>
+        <p:nvPicPr>
+          <p:cNvPr id="5" name="Picture 4" descr="A screenshot of a cell phone&#10;&#10;Description automatically generated">
+            <a:extLst>
+              <a:ext uri="{FF2B5EF4-FFF2-40B4-BE49-F238E27FC236}">
+                <a16:creationId xmlns:a16="http://schemas.microsoft.com/office/drawing/2014/main" id="{B8E008FF-FF24-48E9-9B18-5FF12C579282}"/>
+              </a:ext>
+            </a:extLst>
+          </p:cNvPr>
+          <p:cNvPicPr>
+            <a:picLocks noChangeAspect="1"/>
+          </p:cNvPicPr>
+          <p:nvPr/>
+        </p:nvPicPr>
+        <p:blipFill rotWithShape="1">
+          <a:blip r:embed="rId3"/>
+          <a:srcRect l="-243" t="1470" r="13335" b="-448"/>
+          <a:stretch/>
+        </p:blipFill>
+        <p:spPr>
+          <a:xfrm>
+            <a:off x="4818242" y="2362873"/>
+            <a:ext cx="2679379" cy="3627069"/>
+          </a:xfrm>
+          <a:prstGeom prst="rect">
+            <a:avLst/>
+          </a:prstGeom>
+        </p:spPr>
+      </p:pic>
+      <p:pic>
+        <p:nvPicPr>
+          <p:cNvPr id="6" name="Picture 5" descr="A close up of a logo&#10;&#10;Description automatically generated">
+            <a:extLst>
+              <a:ext uri="{FF2B5EF4-FFF2-40B4-BE49-F238E27FC236}">
+                <a16:creationId xmlns:a16="http://schemas.microsoft.com/office/drawing/2014/main" id="{A8FFADC0-289C-4A4C-BEF0-D7AFC4937FB0}"/>
+              </a:ext>
+            </a:extLst>
+          </p:cNvPr>
+          <p:cNvPicPr>
+            <a:picLocks noChangeAspect="1"/>
+          </p:cNvPicPr>
+          <p:nvPr/>
+        </p:nvPicPr>
+        <p:blipFill rotWithShape="1">
+          <a:blip r:embed="rId4"/>
+          <a:srcRect t="1" r="28106" b="-14813"/>
+          <a:stretch/>
+        </p:blipFill>
+        <p:spPr>
+          <a:xfrm>
+            <a:off x="5028636" y="1012035"/>
+            <a:ext cx="1501638" cy="797240"/>
+          </a:xfrm>
+          <a:prstGeom prst="rect">
+            <a:avLst/>
+          </a:prstGeom>
+        </p:spPr>
+      </p:pic>
       <p:sp>
         <p:nvSpPr>
-          <p:cNvPr id="2" name="Title 1"/>
+          <p:cNvPr id="7" name="Title 1">
+            <a:extLst>
+              <a:ext uri="{FF2B5EF4-FFF2-40B4-BE49-F238E27FC236}">
+                <a16:creationId xmlns:a16="http://schemas.microsoft.com/office/drawing/2014/main" id="{3EAD59D8-918E-4A16-A389-140CB1C3F24B}"/>
+              </a:ext>
+            </a:extLst>
+          </p:cNvPr>
           <p:cNvSpPr>
             <a:spLocks noGrp="1"/>
           </p:cNvSpPr>
@@ -4572,7 +4739,7 @@
         <p:spPr>
           <a:xfrm>
             <a:off x="381000" y="274638"/>
-            <a:ext cx="9375742" cy="1143000"/>
+            <a:ext cx="9375742" cy="737397"/>
           </a:xfrm>
         </p:spPr>
         <p:txBody>
@@ -4581,7 +4748,7 @@
           <a:p>
             <a:pPr algn="l"/>
             <a:r>
-              <a:rPr lang="en-US" sz="3500" b="1" dirty="0">
+              <a:rPr lang="en-US" altLang="zh-CN" sz="3500" b="1" dirty="0">
                 <a:solidFill>
                   <a:srgbClr val="E84A27"/>
                 </a:solidFill>
@@ -4589,194 +4756,14 @@
                 <a:ea typeface="Georgia" charset="0"/>
                 <a:cs typeface="Arial" panose="020B0604020202020204" pitchFamily="34" charset="0"/>
               </a:rPr>
-              <a:t>Solving and generating the puzzle</a:t>
-            </a:r>
-          </a:p>
-        </p:txBody>
-      </p:sp>
-      <p:sp>
-        <p:nvSpPr>
-          <p:cNvPr id="3" name="Content Placeholder 2"/>
-          <p:cNvSpPr>
-            <a:spLocks noGrp="1"/>
-          </p:cNvSpPr>
-          <p:nvPr>
-            <p:ph idx="1"/>
-          </p:nvPr>
-        </p:nvSpPr>
-        <p:spPr>
-          <a:xfrm>
-            <a:off x="419100" y="1223694"/>
-            <a:ext cx="8305800" cy="4733059"/>
-          </a:xfrm>
-        </p:spPr>
-        <p:txBody>
-          <a:bodyPr/>
-          <a:lstStyle/>
-          <a:p>
-            <a:r>
-              <a:rPr lang="en-US" sz="1800" b="1" dirty="0">
-                <a:solidFill>
-                  <a:srgbClr val="13294B"/>
-                </a:solidFill>
-                <a:latin typeface="Arial" panose="020B0604020202020204" pitchFamily="34" charset="0"/>
-                <a:ea typeface="Calibri" charset="0"/>
-                <a:cs typeface="Arial" panose="020B0604020202020204" pitchFamily="34" charset="0"/>
-              </a:rPr>
-              <a:t>Solver</a:t>
-            </a:r>
-          </a:p>
-          <a:p>
-            <a:pPr lvl="1"/>
-            <a:r>
-              <a:rPr lang="en-US" sz="1800" dirty="0">
-                <a:solidFill>
-                  <a:srgbClr val="13294B"/>
-                </a:solidFill>
-                <a:latin typeface="Arial" panose="020B0604020202020204" pitchFamily="34" charset="0"/>
-                <a:ea typeface="Calibri" charset="0"/>
-                <a:cs typeface="Arial" panose="020B0604020202020204" pitchFamily="34" charset="0"/>
-              </a:rPr>
-              <a:t>A* search</a:t>
-            </a:r>
-          </a:p>
-          <a:p>
-            <a:pPr lvl="2"/>
-            <a:r>
-              <a:rPr lang="en-US" altLang="zh-CN" sz="1600" dirty="0">
-                <a:latin typeface="Arial" panose="020B0604020202020204" pitchFamily="34" charset="0"/>
-                <a:cs typeface="Arial" panose="020B0604020202020204" pitchFamily="34" charset="0"/>
-              </a:rPr>
-              <a:t>f(n)=g(n)+h(n)</a:t>
-            </a:r>
-          </a:p>
-          <a:p>
-            <a:pPr lvl="2"/>
-            <a:r>
-              <a:rPr lang="en-US" altLang="zh-CN" sz="1600" dirty="0">
-                <a:latin typeface="Arial" panose="020B0604020202020204" pitchFamily="34" charset="0"/>
-                <a:cs typeface="Arial" panose="020B0604020202020204" pitchFamily="34" charset="0"/>
-              </a:rPr>
-              <a:t>g(n): the cost of the path from the start node to n</a:t>
-            </a:r>
-          </a:p>
-          <a:p>
-            <a:pPr lvl="2"/>
-            <a:r>
-              <a:rPr lang="en-US" altLang="zh-CN" sz="1600" dirty="0">
-                <a:latin typeface="Arial" panose="020B0604020202020204" pitchFamily="34" charset="0"/>
-                <a:cs typeface="Arial" panose="020B0604020202020204" pitchFamily="34" charset="0"/>
-              </a:rPr>
-              <a:t>h(n): a heuristic function that estimates the cost of the cheapest path from n to the goal</a:t>
-            </a:r>
-          </a:p>
-          <a:p>
-            <a:pPr lvl="2"/>
-            <a:r>
-              <a:rPr lang="en-US" altLang="zh-CN" sz="1600" dirty="0">
-                <a:latin typeface="Arial" panose="020B0604020202020204" pitchFamily="34" charset="0"/>
-                <a:cs typeface="Arial" panose="020B0604020202020204" pitchFamily="34" charset="0"/>
-              </a:rPr>
-              <a:t>Best answer guaranteed: if h(n) doesn't overestimate the distance to the goal</a:t>
-            </a:r>
-          </a:p>
-          <a:p>
-            <a:pPr lvl="2"/>
-            <a:r>
-              <a:rPr lang="en-US" altLang="zh-CN" sz="1600" dirty="0">
-                <a:latin typeface="Arial" panose="020B0604020202020204" pitchFamily="34" charset="0"/>
-                <a:cs typeface="Arial" panose="020B0604020202020204" pitchFamily="34" charset="0"/>
-              </a:rPr>
-              <a:t>Apply Manhattan Distance as h(n): d(p, q) = sum(abs(pi - qi)), where pi and qi are the </a:t>
-            </a:r>
-            <a:r>
-              <a:rPr lang="en-US" altLang="zh-CN" sz="1600" dirty="0" err="1">
-                <a:latin typeface="Arial" panose="020B0604020202020204" pitchFamily="34" charset="0"/>
-                <a:cs typeface="Arial" panose="020B0604020202020204" pitchFamily="34" charset="0"/>
-              </a:rPr>
-              <a:t>ith</a:t>
-            </a:r>
-            <a:r>
-              <a:rPr lang="en-US" altLang="zh-CN" sz="1600" dirty="0">
-                <a:latin typeface="Arial" panose="020B0604020202020204" pitchFamily="34" charset="0"/>
-                <a:cs typeface="Arial" panose="020B0604020202020204" pitchFamily="34" charset="0"/>
-              </a:rPr>
-              <a:t> element of p and q</a:t>
-            </a:r>
-          </a:p>
-          <a:p>
-            <a:pPr lvl="2"/>
-            <a:r>
-              <a:rPr lang="en-US" altLang="zh-CN" sz="1600" dirty="0">
-                <a:latin typeface="Arial" panose="020B0604020202020204" pitchFamily="34" charset="0"/>
-                <a:cs typeface="Arial" panose="020B0604020202020204" pitchFamily="34" charset="0"/>
-              </a:rPr>
-              <a:t>Why Manhattan Distance: </a:t>
-            </a:r>
-          </a:p>
-          <a:p>
-            <a:pPr lvl="3"/>
-            <a:r>
-              <a:rPr lang="en-US" altLang="zh-CN" sz="1600" dirty="0">
-                <a:latin typeface="Arial" panose="020B0604020202020204" pitchFamily="34" charset="0"/>
-                <a:cs typeface="Arial" panose="020B0604020202020204" pitchFamily="34" charset="0"/>
-              </a:rPr>
-              <a:t>For each move, only the number’s column or row index can be changed </a:t>
-            </a:r>
-          </a:p>
-          <a:p>
-            <a:pPr lvl="3"/>
-            <a:r>
-              <a:rPr lang="en-US" altLang="zh-CN" sz="1600" dirty="0">
-                <a:latin typeface="Arial" panose="020B0604020202020204" pitchFamily="34" charset="0"/>
-                <a:cs typeface="Arial" panose="020B0604020202020204" pitchFamily="34" charset="0"/>
-              </a:rPr>
-              <a:t>Then we need at least counts of the total differences to move to the final state. </a:t>
-            </a:r>
-          </a:p>
-          <a:p>
-            <a:pPr marL="1371600" lvl="3" indent="0">
-              <a:buNone/>
-            </a:pPr>
-            <a:endParaRPr lang="en-US" altLang="zh-CN" dirty="0">
-              <a:latin typeface="Arial" panose="020B0604020202020204" pitchFamily="34" charset="0"/>
-              <a:cs typeface="Arial" panose="020B0604020202020204" pitchFamily="34" charset="0"/>
-            </a:endParaRPr>
-          </a:p>
-          <a:p>
-            <a:pPr marL="914400" lvl="2" indent="0" algn="r">
-              <a:buNone/>
-            </a:pPr>
-            <a:endParaRPr lang="en-US" sz="2000" dirty="0">
+              <a:t>Run the Puzzle!</a:t>
+            </a:r>
+            <a:endParaRPr lang="en-US" sz="3500" b="1" dirty="0">
               <a:solidFill>
-                <a:srgbClr val="13294B"/>
+                <a:srgbClr val="E84A27"/>
               </a:solidFill>
               <a:latin typeface="Arial" panose="020B0604020202020204" pitchFamily="34" charset="0"/>
-              <a:ea typeface="Calibri" charset="0"/>
-              <a:cs typeface="Arial" panose="020B0604020202020204" pitchFamily="34" charset="0"/>
-            </a:endParaRPr>
-          </a:p>
-          <a:p>
-            <a:pPr marL="0" indent="0">
-              <a:buNone/>
-            </a:pPr>
-            <a:endParaRPr lang="en-US" sz="2000" dirty="0">
-              <a:solidFill>
-                <a:srgbClr val="13294B"/>
-              </a:solidFill>
-              <a:latin typeface="Arial" panose="020B0604020202020204" pitchFamily="34" charset="0"/>
-              <a:ea typeface="Calibri" charset="0"/>
-              <a:cs typeface="Arial" panose="020B0604020202020204" pitchFamily="34" charset="0"/>
-            </a:endParaRPr>
-          </a:p>
-          <a:p>
-            <a:pPr lvl="1"/>
-            <a:endParaRPr lang="en-US" sz="2000" dirty="0">
-              <a:solidFill>
-                <a:srgbClr val="13294B"/>
-              </a:solidFill>
-              <a:latin typeface="Arial" panose="020B0604020202020204" pitchFamily="34" charset="0"/>
-              <a:ea typeface="Calibri" charset="0"/>
+              <a:ea typeface="Georgia" charset="0"/>
               <a:cs typeface="Arial" panose="020B0604020202020204" pitchFamily="34" charset="0"/>
             </a:endParaRPr>
           </a:p>
@@ -4785,7 +4772,7 @@
     </p:spTree>
     <p:extLst>
       <p:ext uri="{BB962C8B-B14F-4D97-AF65-F5344CB8AC3E}">
-        <p14:creationId xmlns:p14="http://schemas.microsoft.com/office/powerpoint/2010/main" val="4204328079"/>
+        <p14:creationId xmlns:p14="http://schemas.microsoft.com/office/powerpoint/2010/main" val="3128984001"/>
       </p:ext>
     </p:extLst>
   </p:cSld>
@@ -4859,6 +4846,259 @@
         </p:nvSpPr>
         <p:spPr>
           <a:xfrm>
+            <a:off x="419100" y="1223694"/>
+            <a:ext cx="8305800" cy="4733059"/>
+          </a:xfrm>
+        </p:spPr>
+        <p:txBody>
+          <a:bodyPr/>
+          <a:lstStyle/>
+          <a:p>
+            <a:r>
+              <a:rPr lang="en-US" sz="1800" b="1" dirty="0">
+                <a:solidFill>
+                  <a:srgbClr val="13294B"/>
+                </a:solidFill>
+                <a:latin typeface="Arial" panose="020B0604020202020204" pitchFamily="34" charset="0"/>
+                <a:ea typeface="Calibri" charset="0"/>
+                <a:cs typeface="Arial" panose="020B0604020202020204" pitchFamily="34" charset="0"/>
+              </a:rPr>
+              <a:t>Solver</a:t>
+            </a:r>
+          </a:p>
+          <a:p>
+            <a:pPr lvl="1"/>
+            <a:r>
+              <a:rPr lang="en-US" sz="1800" dirty="0">
+                <a:solidFill>
+                  <a:srgbClr val="13294B"/>
+                </a:solidFill>
+                <a:latin typeface="Arial" panose="020B0604020202020204" pitchFamily="34" charset="0"/>
+                <a:ea typeface="Calibri" charset="0"/>
+                <a:cs typeface="Arial" panose="020B0604020202020204" pitchFamily="34" charset="0"/>
+              </a:rPr>
+              <a:t>A* search</a:t>
+            </a:r>
+          </a:p>
+          <a:p>
+            <a:pPr lvl="2"/>
+            <a:r>
+              <a:rPr lang="en-US" altLang="zh-CN" sz="1600" dirty="0">
+                <a:latin typeface="Arial" panose="020B0604020202020204" pitchFamily="34" charset="0"/>
+                <a:cs typeface="Arial" panose="020B0604020202020204" pitchFamily="34" charset="0"/>
+              </a:rPr>
+              <a:t>f(n)=g(n)+h(n)</a:t>
+            </a:r>
+          </a:p>
+          <a:p>
+            <a:pPr lvl="2"/>
+            <a:r>
+              <a:rPr lang="en-US" altLang="zh-CN" sz="1600" dirty="0">
+                <a:latin typeface="Arial" panose="020B0604020202020204" pitchFamily="34" charset="0"/>
+                <a:cs typeface="Arial" panose="020B0604020202020204" pitchFamily="34" charset="0"/>
+              </a:rPr>
+              <a:t>g(n): the cost of the path from the start node to n</a:t>
+            </a:r>
+          </a:p>
+          <a:p>
+            <a:pPr lvl="2"/>
+            <a:r>
+              <a:rPr lang="en-US" altLang="zh-CN" sz="1600" dirty="0">
+                <a:latin typeface="Arial" panose="020B0604020202020204" pitchFamily="34" charset="0"/>
+                <a:cs typeface="Arial" panose="020B0604020202020204" pitchFamily="34" charset="0"/>
+              </a:rPr>
+              <a:t>h(n): a heuristic function that estimates the cost of the cheapest path from n to the goal</a:t>
+            </a:r>
+          </a:p>
+          <a:p>
+            <a:pPr lvl="2"/>
+            <a:r>
+              <a:rPr lang="en-US" altLang="zh-CN" sz="1600" dirty="0">
+                <a:latin typeface="Arial" panose="020B0604020202020204" pitchFamily="34" charset="0"/>
+                <a:cs typeface="Arial" panose="020B0604020202020204" pitchFamily="34" charset="0"/>
+              </a:rPr>
+              <a:t>Best answer guaranteed: if h(n) doesn't overestimate the distance to the goal</a:t>
+            </a:r>
+          </a:p>
+          <a:p>
+            <a:pPr lvl="2"/>
+            <a:r>
+              <a:rPr lang="en-US" altLang="zh-CN" sz="1600" dirty="0">
+                <a:latin typeface="Arial" panose="020B0604020202020204" pitchFamily="34" charset="0"/>
+                <a:cs typeface="Arial" panose="020B0604020202020204" pitchFamily="34" charset="0"/>
+              </a:rPr>
+              <a:t>Apply Manhattan Distance as h(n): d(p, q) = sum(abs(pi - qi)), where pi and qi are the </a:t>
+            </a:r>
+            <a:r>
+              <a:rPr lang="en-US" altLang="zh-CN" sz="1600" dirty="0" err="1">
+                <a:latin typeface="Arial" panose="020B0604020202020204" pitchFamily="34" charset="0"/>
+                <a:cs typeface="Arial" panose="020B0604020202020204" pitchFamily="34" charset="0"/>
+              </a:rPr>
+              <a:t>ith</a:t>
+            </a:r>
+            <a:r>
+              <a:rPr lang="en-US" altLang="zh-CN" sz="1600" dirty="0">
+                <a:latin typeface="Arial" panose="020B0604020202020204" pitchFamily="34" charset="0"/>
+                <a:cs typeface="Arial" panose="020B0604020202020204" pitchFamily="34" charset="0"/>
+              </a:rPr>
+              <a:t> element of p and q</a:t>
+            </a:r>
+          </a:p>
+          <a:p>
+            <a:pPr lvl="2"/>
+            <a:r>
+              <a:rPr lang="en-US" altLang="zh-CN" sz="1600" dirty="0">
+                <a:latin typeface="Arial" panose="020B0604020202020204" pitchFamily="34" charset="0"/>
+                <a:cs typeface="Arial" panose="020B0604020202020204" pitchFamily="34" charset="0"/>
+              </a:rPr>
+              <a:t>Why Manhattan Distance: </a:t>
+            </a:r>
+          </a:p>
+          <a:p>
+            <a:pPr lvl="3"/>
+            <a:r>
+              <a:rPr lang="en-US" altLang="zh-CN" sz="1600" dirty="0">
+                <a:latin typeface="Arial" panose="020B0604020202020204" pitchFamily="34" charset="0"/>
+                <a:cs typeface="Arial" panose="020B0604020202020204" pitchFamily="34" charset="0"/>
+              </a:rPr>
+              <a:t>For each move, only the number’s column or row index can be changed </a:t>
+            </a:r>
+          </a:p>
+          <a:p>
+            <a:pPr lvl="3"/>
+            <a:r>
+              <a:rPr lang="en-US" altLang="zh-CN" sz="1600" dirty="0">
+                <a:latin typeface="Arial" panose="020B0604020202020204" pitchFamily="34" charset="0"/>
+                <a:cs typeface="Arial" panose="020B0604020202020204" pitchFamily="34" charset="0"/>
+              </a:rPr>
+              <a:t>Then we need at least counts of the total differences to move to the final state. </a:t>
+            </a:r>
+          </a:p>
+          <a:p>
+            <a:pPr marL="1371600" lvl="3" indent="0">
+              <a:buNone/>
+            </a:pPr>
+            <a:endParaRPr lang="en-US" altLang="zh-CN" dirty="0">
+              <a:latin typeface="Arial" panose="020B0604020202020204" pitchFamily="34" charset="0"/>
+              <a:cs typeface="Arial" panose="020B0604020202020204" pitchFamily="34" charset="0"/>
+            </a:endParaRPr>
+          </a:p>
+          <a:p>
+            <a:pPr marL="914400" lvl="2" indent="0" algn="r">
+              <a:buNone/>
+            </a:pPr>
+            <a:endParaRPr lang="en-US" sz="2000" dirty="0">
+              <a:solidFill>
+                <a:srgbClr val="13294B"/>
+              </a:solidFill>
+              <a:latin typeface="Arial" panose="020B0604020202020204" pitchFamily="34" charset="0"/>
+              <a:ea typeface="Calibri" charset="0"/>
+              <a:cs typeface="Arial" panose="020B0604020202020204" pitchFamily="34" charset="0"/>
+            </a:endParaRPr>
+          </a:p>
+          <a:p>
+            <a:pPr marL="0" indent="0">
+              <a:buNone/>
+            </a:pPr>
+            <a:endParaRPr lang="en-US" sz="2000" dirty="0">
+              <a:solidFill>
+                <a:srgbClr val="13294B"/>
+              </a:solidFill>
+              <a:latin typeface="Arial" panose="020B0604020202020204" pitchFamily="34" charset="0"/>
+              <a:ea typeface="Calibri" charset="0"/>
+              <a:cs typeface="Arial" panose="020B0604020202020204" pitchFamily="34" charset="0"/>
+            </a:endParaRPr>
+          </a:p>
+          <a:p>
+            <a:pPr lvl="1"/>
+            <a:endParaRPr lang="en-US" sz="2000" dirty="0">
+              <a:solidFill>
+                <a:srgbClr val="13294B"/>
+              </a:solidFill>
+              <a:latin typeface="Arial" panose="020B0604020202020204" pitchFamily="34" charset="0"/>
+              <a:ea typeface="Calibri" charset="0"/>
+              <a:cs typeface="Arial" panose="020B0604020202020204" pitchFamily="34" charset="0"/>
+            </a:endParaRPr>
+          </a:p>
+        </p:txBody>
+      </p:sp>
+    </p:spTree>
+    <p:extLst>
+      <p:ext uri="{BB962C8B-B14F-4D97-AF65-F5344CB8AC3E}">
+        <p14:creationId xmlns:p14="http://schemas.microsoft.com/office/powerpoint/2010/main" val="4204328079"/>
+      </p:ext>
+    </p:extLst>
+  </p:cSld>
+  <p:clrMapOvr>
+    <a:masterClrMapping/>
+  </p:clrMapOvr>
+</p:sld>
+</file>
+
+<file path=ppt/slides/slide8.xml><?xml version="1.0" encoding="utf-8"?>
+<p:sld xmlns:a="http://schemas.openxmlformats.org/drawingml/2006/main" xmlns:r="http://schemas.openxmlformats.org/officeDocument/2006/relationships" xmlns:p="http://schemas.openxmlformats.org/presentationml/2006/main">
+  <p:cSld>
+    <p:spTree>
+      <p:nvGrpSpPr>
+        <p:cNvPr id="1" name=""/>
+        <p:cNvGrpSpPr/>
+        <p:nvPr/>
+      </p:nvGrpSpPr>
+      <p:grpSpPr>
+        <a:xfrm>
+          <a:off x="0" y="0"/>
+          <a:ext cx="0" cy="0"/>
+          <a:chOff x="0" y="0"/>
+          <a:chExt cx="0" cy="0"/>
+        </a:xfrm>
+      </p:grpSpPr>
+      <p:sp>
+        <p:nvSpPr>
+          <p:cNvPr id="2" name="Title 1"/>
+          <p:cNvSpPr>
+            <a:spLocks noGrp="1"/>
+          </p:cNvSpPr>
+          <p:nvPr>
+            <p:ph type="title"/>
+          </p:nvPr>
+        </p:nvSpPr>
+        <p:spPr>
+          <a:xfrm>
+            <a:off x="381000" y="274638"/>
+            <a:ext cx="9375742" cy="1143000"/>
+          </a:xfrm>
+        </p:spPr>
+        <p:txBody>
+          <a:bodyPr/>
+          <a:lstStyle/>
+          <a:p>
+            <a:pPr algn="l"/>
+            <a:r>
+              <a:rPr lang="en-US" sz="3500" b="1" dirty="0">
+                <a:solidFill>
+                  <a:srgbClr val="E84A27"/>
+                </a:solidFill>
+                <a:latin typeface="Arial" panose="020B0604020202020204" pitchFamily="34" charset="0"/>
+                <a:ea typeface="Georgia" charset="0"/>
+                <a:cs typeface="Arial" panose="020B0604020202020204" pitchFamily="34" charset="0"/>
+              </a:rPr>
+              <a:t>Solving and generating the puzzle</a:t>
+            </a:r>
+          </a:p>
+        </p:txBody>
+      </p:sp>
+      <p:sp>
+        <p:nvSpPr>
+          <p:cNvPr id="3" name="Content Placeholder 2"/>
+          <p:cNvSpPr>
+            <a:spLocks noGrp="1"/>
+          </p:cNvSpPr>
+          <p:nvPr>
+            <p:ph idx="1"/>
+          </p:nvPr>
+        </p:nvSpPr>
+        <p:spPr>
+          <a:xfrm>
             <a:off x="419100" y="1417638"/>
             <a:ext cx="8305800" cy="2935286"/>
           </a:xfrm>
@@ -4957,7 +5197,7 @@
 </p:sld>
 </file>
 
-<file path=ppt/slides/slide8.xml><?xml version="1.0" encoding="utf-8"?>
+<file path=ppt/slides/slide9.xml><?xml version="1.0" encoding="utf-8"?>
 <p:sld xmlns:a="http://schemas.openxmlformats.org/drawingml/2006/main" xmlns:r="http://schemas.openxmlformats.org/officeDocument/2006/relationships" xmlns:p="http://schemas.openxmlformats.org/presentationml/2006/main">
   <p:cSld>
     <p:spTree>
@@ -5985,79 +6225,6 @@
 </p:sld>
 </file>
 
-<file path=ppt/slides/slide9.xml><?xml version="1.0" encoding="utf-8"?>
-<p:sld xmlns:a="http://schemas.openxmlformats.org/drawingml/2006/main" xmlns:r="http://schemas.openxmlformats.org/officeDocument/2006/relationships" xmlns:p="http://schemas.openxmlformats.org/presentationml/2006/main">
-  <p:cSld>
-    <p:spTree>
-      <p:nvGrpSpPr>
-        <p:cNvPr id="1" name=""/>
-        <p:cNvGrpSpPr/>
-        <p:nvPr/>
-      </p:nvGrpSpPr>
-      <p:grpSpPr>
-        <a:xfrm>
-          <a:off x="0" y="0"/>
-          <a:ext cx="0" cy="0"/>
-          <a:chOff x="0" y="0"/>
-          <a:chExt cx="0" cy="0"/>
-        </a:xfrm>
-      </p:grpSpPr>
-      <p:sp>
-        <p:nvSpPr>
-          <p:cNvPr id="2" name="Title 1"/>
-          <p:cNvSpPr>
-            <a:spLocks noGrp="1"/>
-          </p:cNvSpPr>
-          <p:nvPr>
-            <p:ph type="title"/>
-          </p:nvPr>
-        </p:nvSpPr>
-        <p:spPr>
-          <a:xfrm>
-            <a:off x="1143751" y="2716098"/>
-            <a:ext cx="7045036" cy="1143000"/>
-          </a:xfrm>
-        </p:spPr>
-        <p:txBody>
-          <a:bodyPr/>
-          <a:lstStyle/>
-          <a:p>
-            <a:pPr algn="l"/>
-            <a:r>
-              <a:rPr lang="en-US" altLang="zh-CN" b="1" dirty="0">
-                <a:solidFill>
-                  <a:srgbClr val="E84A27"/>
-                </a:solidFill>
-                <a:latin typeface="Arial" panose="020B0604020202020204" pitchFamily="34" charset="0"/>
-                <a:ea typeface="Georgia" charset="0"/>
-                <a:cs typeface="Arial" panose="020B0604020202020204" pitchFamily="34" charset="0"/>
-              </a:rPr>
-              <a:t>Thanks!</a:t>
-            </a:r>
-            <a:endParaRPr lang="en-US" b="1" dirty="0">
-              <a:solidFill>
-                <a:srgbClr val="E84A27"/>
-              </a:solidFill>
-              <a:latin typeface="Arial" panose="020B0604020202020204" pitchFamily="34" charset="0"/>
-              <a:ea typeface="Georgia" charset="0"/>
-              <a:cs typeface="Arial" panose="020B0604020202020204" pitchFamily="34" charset="0"/>
-            </a:endParaRPr>
-          </a:p>
-        </p:txBody>
-      </p:sp>
-    </p:spTree>
-    <p:extLst>
-      <p:ext uri="{BB962C8B-B14F-4D97-AF65-F5344CB8AC3E}">
-        <p14:creationId xmlns:p14="http://schemas.microsoft.com/office/powerpoint/2010/main" val="4189297638"/>
-      </p:ext>
-    </p:extLst>
-  </p:cSld>
-  <p:clrMapOvr>
-    <a:masterClrMapping/>
-  </p:clrMapOvr>
-</p:sld>
-</file>
-
 <file path=ppt/theme/theme1.xml><?xml version="1.0" encoding="utf-8"?>
 <a:theme xmlns:a="http://schemas.openxmlformats.org/drawingml/2006/main" name="ThemeILtemplates">
   <a:themeElements>
